--- a/Session-3.pptx
+++ b/Session-3.pptx
@@ -8,22 +8,28 @@
     <p:sldId id="256" r:id="rId2"/>
     <p:sldId id="258" r:id="rId3"/>
     <p:sldId id="304" r:id="rId4"/>
-    <p:sldId id="275" r:id="rId5"/>
-    <p:sldId id="271" r:id="rId6"/>
-    <p:sldId id="277" r:id="rId7"/>
-    <p:sldId id="292" r:id="rId8"/>
-    <p:sldId id="280" r:id="rId9"/>
-    <p:sldId id="294" r:id="rId10"/>
-    <p:sldId id="295" r:id="rId11"/>
-    <p:sldId id="296" r:id="rId12"/>
-    <p:sldId id="298" r:id="rId13"/>
-    <p:sldId id="299" r:id="rId14"/>
-    <p:sldId id="300" r:id="rId15"/>
-    <p:sldId id="293" r:id="rId16"/>
-    <p:sldId id="270" r:id="rId17"/>
-    <p:sldId id="301" r:id="rId18"/>
-    <p:sldId id="302" r:id="rId19"/>
-    <p:sldId id="305" r:id="rId20"/>
+    <p:sldId id="292" r:id="rId5"/>
+    <p:sldId id="275" r:id="rId6"/>
+    <p:sldId id="306" r:id="rId7"/>
+    <p:sldId id="307" r:id="rId8"/>
+    <p:sldId id="271" r:id="rId9"/>
+    <p:sldId id="277" r:id="rId10"/>
+    <p:sldId id="270" r:id="rId11"/>
+    <p:sldId id="280" r:id="rId12"/>
+    <p:sldId id="294" r:id="rId13"/>
+    <p:sldId id="295" r:id="rId14"/>
+    <p:sldId id="296" r:id="rId15"/>
+    <p:sldId id="298" r:id="rId16"/>
+    <p:sldId id="299" r:id="rId17"/>
+    <p:sldId id="300" r:id="rId18"/>
+    <p:sldId id="301" r:id="rId19"/>
+    <p:sldId id="308" r:id="rId20"/>
+    <p:sldId id="302" r:id="rId21"/>
+    <p:sldId id="305" r:id="rId22"/>
+    <p:sldId id="309" r:id="rId23"/>
+    <p:sldId id="310" r:id="rId24"/>
+    <p:sldId id="313" r:id="rId25"/>
+    <p:sldId id="314" r:id="rId26"/>
   </p:sldIdLst>
   <p:sldSz cx="12192000" cy="6858000"/>
   <p:notesSz cx="6858000" cy="9144000"/>
@@ -262,7 +268,7 @@
             <a:fld id="{3BC3F569-19F3-4A8F-BF89-6321182380A1}" type="datetimeFigureOut">
               <a:rPr lang="en-IN" smtClean="0"/>
               <a:pPr/>
-              <a:t>03-02-2024</a:t>
+              <a:t>04-02-2024</a:t>
             </a:fld>
             <a:endParaRPr lang="en-IN"/>
           </a:p>
@@ -434,7 +440,7 @@
             <a:fld id="{3BC3F569-19F3-4A8F-BF89-6321182380A1}" type="datetimeFigureOut">
               <a:rPr lang="en-IN" smtClean="0"/>
               <a:pPr/>
-              <a:t>03-02-2024</a:t>
+              <a:t>04-02-2024</a:t>
             </a:fld>
             <a:endParaRPr lang="en-IN"/>
           </a:p>
@@ -616,7 +622,7 @@
             <a:fld id="{3BC3F569-19F3-4A8F-BF89-6321182380A1}" type="datetimeFigureOut">
               <a:rPr lang="en-IN" smtClean="0"/>
               <a:pPr/>
-              <a:t>03-02-2024</a:t>
+              <a:t>04-02-2024</a:t>
             </a:fld>
             <a:endParaRPr lang="en-IN"/>
           </a:p>
@@ -788,7 +794,7 @@
             <a:fld id="{3BC3F569-19F3-4A8F-BF89-6321182380A1}" type="datetimeFigureOut">
               <a:rPr lang="en-IN" smtClean="0"/>
               <a:pPr/>
-              <a:t>03-02-2024</a:t>
+              <a:t>04-02-2024</a:t>
             </a:fld>
             <a:endParaRPr lang="en-IN"/>
           </a:p>
@@ -1036,7 +1042,7 @@
             <a:fld id="{3BC3F569-19F3-4A8F-BF89-6321182380A1}" type="datetimeFigureOut">
               <a:rPr lang="en-IN" smtClean="0"/>
               <a:pPr/>
-              <a:t>03-02-2024</a:t>
+              <a:t>04-02-2024</a:t>
             </a:fld>
             <a:endParaRPr lang="en-IN"/>
           </a:p>
@@ -1270,7 +1276,7 @@
             <a:fld id="{3BC3F569-19F3-4A8F-BF89-6321182380A1}" type="datetimeFigureOut">
               <a:rPr lang="en-IN" smtClean="0"/>
               <a:pPr/>
-              <a:t>03-02-2024</a:t>
+              <a:t>04-02-2024</a:t>
             </a:fld>
             <a:endParaRPr lang="en-IN"/>
           </a:p>
@@ -1639,7 +1645,7 @@
             <a:fld id="{3BC3F569-19F3-4A8F-BF89-6321182380A1}" type="datetimeFigureOut">
               <a:rPr lang="en-IN" smtClean="0"/>
               <a:pPr/>
-              <a:t>03-02-2024</a:t>
+              <a:t>04-02-2024</a:t>
             </a:fld>
             <a:endParaRPr lang="en-IN"/>
           </a:p>
@@ -1759,7 +1765,7 @@
             <a:fld id="{3BC3F569-19F3-4A8F-BF89-6321182380A1}" type="datetimeFigureOut">
               <a:rPr lang="en-IN" smtClean="0"/>
               <a:pPr/>
-              <a:t>03-02-2024</a:t>
+              <a:t>04-02-2024</a:t>
             </a:fld>
             <a:endParaRPr lang="en-IN"/>
           </a:p>
@@ -1856,7 +1862,7 @@
             <a:fld id="{3BC3F569-19F3-4A8F-BF89-6321182380A1}" type="datetimeFigureOut">
               <a:rPr lang="en-IN" smtClean="0"/>
               <a:pPr/>
-              <a:t>03-02-2024</a:t>
+              <a:t>04-02-2024</a:t>
             </a:fld>
             <a:endParaRPr lang="en-IN"/>
           </a:p>
@@ -2135,7 +2141,7 @@
             <a:fld id="{3BC3F569-19F3-4A8F-BF89-6321182380A1}" type="datetimeFigureOut">
               <a:rPr lang="en-IN" smtClean="0"/>
               <a:pPr/>
-              <a:t>03-02-2024</a:t>
+              <a:t>04-02-2024</a:t>
             </a:fld>
             <a:endParaRPr lang="en-IN"/>
           </a:p>
@@ -2394,7 +2400,7 @@
             <a:fld id="{3BC3F569-19F3-4A8F-BF89-6321182380A1}" type="datetimeFigureOut">
               <a:rPr lang="en-IN" smtClean="0"/>
               <a:pPr/>
-              <a:t>03-02-2024</a:t>
+              <a:t>04-02-2024</a:t>
             </a:fld>
             <a:endParaRPr lang="en-IN"/>
           </a:p>
@@ -2609,7 +2615,7 @@
             <a:fld id="{3BC3F569-19F3-4A8F-BF89-6321182380A1}" type="datetimeFigureOut">
               <a:rPr lang="en-IN" smtClean="0"/>
               <a:pPr/>
-              <a:t>03-02-2024</a:t>
+              <a:t>04-02-2024</a:t>
             </a:fld>
             <a:endParaRPr lang="en-IN"/>
           </a:p>
@@ -3095,6 +3101,389 @@
           <a:chExt cx="0" cy="0"/>
         </a:xfrm>
       </p:grpSpPr>
+      <p:sp>
+        <p:nvSpPr>
+          <p:cNvPr id="2" name="Title 1"/>
+          <p:cNvSpPr>
+            <a:spLocks noGrp="1"/>
+          </p:cNvSpPr>
+          <p:nvPr>
+            <p:ph type="title"/>
+          </p:nvPr>
+        </p:nvSpPr>
+        <p:spPr>
+          <a:xfrm>
+            <a:off x="838200" y="365125"/>
+            <a:ext cx="10515600" cy="849721"/>
+          </a:xfrm>
+        </p:spPr>
+        <p:txBody>
+          <a:bodyPr>
+            <a:normAutofit/>
+          </a:bodyPr>
+          <a:lstStyle/>
+          <a:p>
+            <a:pPr algn="ctr"/>
+            <a:r>
+              <a:rPr lang="en-IN" sz="4000" dirty="0" smtClean="0">
+                <a:solidFill>
+                  <a:schemeClr val="accent2"/>
+                </a:solidFill>
+                <a:latin typeface="Times New Roman" pitchFamily="18" charset="0"/>
+                <a:cs typeface="Times New Roman" pitchFamily="18" charset="0"/>
+              </a:rPr>
+              <a:t>EBS (Elastic Block Storage)</a:t>
+            </a:r>
+            <a:endParaRPr lang="en-US" sz="4000" dirty="0">
+              <a:latin typeface="Times New Roman" pitchFamily="18" charset="0"/>
+              <a:cs typeface="Times New Roman" pitchFamily="18" charset="0"/>
+            </a:endParaRPr>
+          </a:p>
+        </p:txBody>
+      </p:sp>
+      <p:sp>
+        <p:nvSpPr>
+          <p:cNvPr id="3" name="Content Placeholder 2"/>
+          <p:cNvSpPr>
+            <a:spLocks noGrp="1"/>
+          </p:cNvSpPr>
+          <p:nvPr>
+            <p:ph idx="1"/>
+          </p:nvPr>
+        </p:nvSpPr>
+        <p:spPr>
+          <a:xfrm>
+            <a:off x="890451" y="1371598"/>
+            <a:ext cx="10515600" cy="5212081"/>
+          </a:xfrm>
+        </p:spPr>
+        <p:txBody>
+          <a:bodyPr>
+            <a:normAutofit/>
+          </a:bodyPr>
+          <a:lstStyle/>
+          <a:p>
+            <a:r>
+              <a:rPr lang="en-US" dirty="0" smtClean="0"/>
+              <a:t>It is just like an hard dist or an SSD in our computer that stores operating system and other types of files</a:t>
+            </a:r>
+            <a:endParaRPr lang="en-US" dirty="0" smtClean="0"/>
+          </a:p>
+          <a:p>
+            <a:r>
+              <a:rPr lang="en-US" dirty="0" smtClean="0"/>
+              <a:t>It offers storage volumes at block level for se with EC2 instances</a:t>
+            </a:r>
+          </a:p>
+          <a:p>
+            <a:r>
+              <a:rPr lang="en-US" dirty="0" smtClean="0"/>
+              <a:t>We can attach as many volumes as we need and detach them when not in use</a:t>
+            </a:r>
+          </a:p>
+          <a:p>
+            <a:endParaRPr lang="en-US" dirty="0" smtClean="0"/>
+          </a:p>
+          <a:p>
+            <a:endParaRPr lang="en-US" dirty="0" smtClean="0"/>
+          </a:p>
+          <a:p>
+            <a:endParaRPr lang="en-US" dirty="0"/>
+          </a:p>
+        </p:txBody>
+      </p:sp>
+    </p:spTree>
+  </p:cSld>
+  <p:clrMapOvr>
+    <a:masterClrMapping/>
+  </p:clrMapOvr>
+  <p:timing>
+    <p:tnLst>
+      <p:par>
+        <p:cTn id="1" dur="indefinite" restart="never" nodeType="tmRoot"/>
+      </p:par>
+    </p:tnLst>
+  </p:timing>
+</p:sld>
+</file>
+
+<file path=ppt/slides/slide11.xml><?xml version="1.0" encoding="utf-8"?>
+<p:sld xmlns:a="http://schemas.openxmlformats.org/drawingml/2006/main" xmlns:r="http://schemas.openxmlformats.org/officeDocument/2006/relationships" xmlns:p="http://schemas.openxmlformats.org/presentationml/2006/main">
+  <p:cSld>
+    <p:spTree>
+      <p:nvGrpSpPr>
+        <p:cNvPr id="1" name=""/>
+        <p:cNvGrpSpPr/>
+        <p:nvPr/>
+      </p:nvGrpSpPr>
+      <p:grpSpPr>
+        <a:xfrm>
+          <a:off x="0" y="0"/>
+          <a:ext cx="0" cy="0"/>
+          <a:chOff x="0" y="0"/>
+          <a:chExt cx="0" cy="0"/>
+        </a:xfrm>
+      </p:grpSpPr>
+      <p:sp>
+        <p:nvSpPr>
+          <p:cNvPr id="2" name="Title 1"/>
+          <p:cNvSpPr>
+            <a:spLocks noGrp="1"/>
+          </p:cNvSpPr>
+          <p:nvPr>
+            <p:ph type="title"/>
+          </p:nvPr>
+        </p:nvSpPr>
+        <p:spPr>
+          <a:xfrm>
+            <a:off x="838200" y="156754"/>
+            <a:ext cx="10515600" cy="744584"/>
+          </a:xfrm>
+        </p:spPr>
+        <p:txBody>
+          <a:bodyPr>
+            <a:normAutofit fontScale="90000"/>
+          </a:bodyPr>
+          <a:lstStyle/>
+          <a:p>
+            <a:pPr algn="ctr"/>
+            <a:r>
+              <a:rPr lang="en-IN" b="1" dirty="0" smtClean="0">
+                <a:solidFill>
+                  <a:schemeClr val="accent2"/>
+                </a:solidFill>
+                <a:latin typeface="Georgia Pro Cond Black" panose="02040A06050405020203" pitchFamily="18" charset="0"/>
+                <a:ea typeface="Times New Roman" panose="02020603050405020304" pitchFamily="18" charset="0"/>
+                <a:cs typeface="Times New Roman" panose="02020603050405020304" pitchFamily="18" charset="0"/>
+              </a:rPr>
+              <a:t/>
+            </a:r>
+            <a:br>
+              <a:rPr lang="en-IN" b="1" dirty="0" smtClean="0">
+                <a:solidFill>
+                  <a:schemeClr val="accent2"/>
+                </a:solidFill>
+                <a:latin typeface="Georgia Pro Cond Black" panose="02040A06050405020203" pitchFamily="18" charset="0"/>
+                <a:ea typeface="Times New Roman" panose="02020603050405020304" pitchFamily="18" charset="0"/>
+                <a:cs typeface="Times New Roman" panose="02020603050405020304" pitchFamily="18" charset="0"/>
+              </a:rPr>
+            </a:br>
+            <a:r>
+              <a:rPr lang="en-IN" b="1" dirty="0" err="1" smtClean="0">
+                <a:solidFill>
+                  <a:schemeClr val="accent2"/>
+                </a:solidFill>
+                <a:latin typeface="Georgia Pro Cond Black" panose="02040A06050405020203" pitchFamily="18" charset="0"/>
+                <a:ea typeface="Times New Roman" panose="02020603050405020304" pitchFamily="18" charset="0"/>
+                <a:cs typeface="Times New Roman" panose="02020603050405020304" pitchFamily="18" charset="0"/>
+              </a:rPr>
+              <a:t>CloudFront</a:t>
+            </a:r>
+            <a:r>
+              <a:rPr lang="en-IN" b="1" u="sng" dirty="0" smtClean="0">
+                <a:solidFill>
+                  <a:schemeClr val="accent2"/>
+                </a:solidFill>
+                <a:latin typeface="Georgia Pro Cond Black" panose="02040A06050405020203" pitchFamily="18" charset="0"/>
+                <a:ea typeface="Times New Roman" panose="02020603050405020304" pitchFamily="18" charset="0"/>
+                <a:cs typeface="Times New Roman" panose="02020603050405020304" pitchFamily="18" charset="0"/>
+              </a:rPr>
+              <a:t/>
+            </a:r>
+            <a:br>
+              <a:rPr lang="en-IN" b="1" u="sng" dirty="0" smtClean="0">
+                <a:solidFill>
+                  <a:schemeClr val="accent2"/>
+                </a:solidFill>
+                <a:latin typeface="Georgia Pro Cond Black" panose="02040A06050405020203" pitchFamily="18" charset="0"/>
+                <a:ea typeface="Times New Roman" panose="02020603050405020304" pitchFamily="18" charset="0"/>
+                <a:cs typeface="Times New Roman" panose="02020603050405020304" pitchFamily="18" charset="0"/>
+              </a:rPr>
+            </a:br>
+            <a:endParaRPr lang="en-US" dirty="0"/>
+          </a:p>
+        </p:txBody>
+      </p:sp>
+      <p:sp>
+        <p:nvSpPr>
+          <p:cNvPr id="7" name="Content Placeholder 2"/>
+          <p:cNvSpPr>
+            <a:spLocks noGrp="1"/>
+          </p:cNvSpPr>
+          <p:nvPr>
+            <p:ph idx="1"/>
+          </p:nvPr>
+        </p:nvSpPr>
+        <p:spPr>
+          <a:xfrm>
+            <a:off x="838200" y="1188720"/>
+            <a:ext cx="10515600" cy="4988243"/>
+          </a:xfrm>
+        </p:spPr>
+        <p:txBody>
+          <a:bodyPr>
+            <a:normAutofit lnSpcReduction="10000"/>
+          </a:bodyPr>
+          <a:lstStyle/>
+          <a:p>
+            <a:r>
+              <a:rPr lang="en-US" dirty="0" smtClean="0"/>
+              <a:t>Amazon </a:t>
+            </a:r>
+            <a:r>
+              <a:rPr lang="en-US" dirty="0" err="1" smtClean="0"/>
+              <a:t>CloudFront</a:t>
+            </a:r>
+            <a:r>
+              <a:rPr lang="en-US" dirty="0" smtClean="0"/>
+              <a:t> is a globally distributed network offered by AWS which securely delivers content to the end users with a high transfer speed and low latency</a:t>
+            </a:r>
+            <a:endParaRPr lang="en-IN" dirty="0" smtClean="0"/>
+          </a:p>
+          <a:p>
+            <a:r>
+              <a:rPr lang="en-US" dirty="0" err="1" smtClean="0"/>
+              <a:t>CloudFront</a:t>
+            </a:r>
+            <a:r>
+              <a:rPr lang="en-US" dirty="0" smtClean="0"/>
+              <a:t> delivers your content through a worldwide network of data centers called edge locations.</a:t>
+            </a:r>
+            <a:endParaRPr lang="en-IN" dirty="0" smtClean="0"/>
+          </a:p>
+          <a:p>
+            <a:r>
+              <a:rPr lang="en-US" dirty="0" smtClean="0"/>
+              <a:t>If the content is already in the edge location with the lowest latency, </a:t>
+            </a:r>
+            <a:r>
+              <a:rPr lang="en-US" dirty="0" err="1" smtClean="0"/>
+              <a:t>CloudFront</a:t>
+            </a:r>
+            <a:r>
+              <a:rPr lang="en-US" dirty="0" smtClean="0"/>
+              <a:t> delivers it immediately.</a:t>
+            </a:r>
+          </a:p>
+          <a:p>
+            <a:r>
+              <a:rPr lang="en-US" dirty="0" smtClean="0"/>
+              <a:t>If the content is not in that edge location, </a:t>
+            </a:r>
+            <a:r>
+              <a:rPr lang="en-US" dirty="0" err="1" smtClean="0"/>
+              <a:t>CloudFront</a:t>
+            </a:r>
+            <a:r>
+              <a:rPr lang="en-US" dirty="0" smtClean="0"/>
+              <a:t> retrieves it from an origin that you've defined—such as an Amazon S3 bucket, a </a:t>
+            </a:r>
+            <a:r>
+              <a:rPr lang="en-US" dirty="0" err="1" smtClean="0"/>
+              <a:t>MediaPackage</a:t>
+            </a:r>
+            <a:r>
+              <a:rPr lang="en-US" dirty="0" smtClean="0"/>
+              <a:t> channel, or an HTTP server (for example, a web server) that you have identified as the source for the definitive version of your content.</a:t>
+            </a:r>
+          </a:p>
+          <a:p>
+            <a:endParaRPr lang="en-IN" dirty="0" smtClean="0"/>
+          </a:p>
+          <a:p>
+            <a:endParaRPr lang="en-US" dirty="0"/>
+          </a:p>
+        </p:txBody>
+      </p:sp>
+    </p:spTree>
+  </p:cSld>
+  <p:clrMapOvr>
+    <a:masterClrMapping/>
+  </p:clrMapOvr>
+  <p:timing>
+    <p:tnLst>
+      <p:par>
+        <p:cTn id="1" dur="indefinite" restart="never" nodeType="tmRoot"/>
+      </p:par>
+    </p:tnLst>
+  </p:timing>
+</p:sld>
+</file>
+
+<file path=ppt/slides/slide12.xml><?xml version="1.0" encoding="utf-8"?>
+<p:sld xmlns:a="http://schemas.openxmlformats.org/drawingml/2006/main" xmlns:r="http://schemas.openxmlformats.org/officeDocument/2006/relationships" xmlns:p="http://schemas.openxmlformats.org/presentationml/2006/main">
+  <p:cSld>
+    <p:spTree>
+      <p:nvGrpSpPr>
+        <p:cNvPr id="1" name=""/>
+        <p:cNvGrpSpPr/>
+        <p:nvPr/>
+      </p:nvGrpSpPr>
+      <p:grpSpPr>
+        <a:xfrm>
+          <a:off x="0" y="0"/>
+          <a:ext cx="0" cy="0"/>
+          <a:chOff x="0" y="0"/>
+          <a:chExt cx="0" cy="0"/>
+        </a:xfrm>
+      </p:grpSpPr>
+      <p:pic>
+        <p:nvPicPr>
+          <p:cNvPr id="2050" name="Picture 2"/>
+          <p:cNvPicPr>
+            <a:picLocks noChangeAspect="1" noChangeArrowheads="1"/>
+          </p:cNvPicPr>
+          <p:nvPr/>
+        </p:nvPicPr>
+        <p:blipFill>
+          <a:blip r:embed="rId2" cstate="print"/>
+          <a:srcRect/>
+          <a:stretch>
+            <a:fillRect/>
+          </a:stretch>
+        </p:blipFill>
+        <p:spPr bwMode="auto">
+          <a:xfrm>
+            <a:off x="1590048" y="692331"/>
+            <a:ext cx="9317710" cy="4462463"/>
+          </a:xfrm>
+          <a:prstGeom prst="rect">
+            <a:avLst/>
+          </a:prstGeom>
+          <a:noFill/>
+          <a:ln w="9525">
+            <a:noFill/>
+            <a:miter lim="800000"/>
+            <a:headEnd/>
+            <a:tailEnd/>
+          </a:ln>
+        </p:spPr>
+      </p:pic>
+    </p:spTree>
+  </p:cSld>
+  <p:clrMapOvr>
+    <a:masterClrMapping/>
+  </p:clrMapOvr>
+</p:sld>
+</file>
+
+<file path=ppt/slides/slide13.xml><?xml version="1.0" encoding="utf-8"?>
+<p:sld xmlns:a="http://schemas.openxmlformats.org/drawingml/2006/main" xmlns:r="http://schemas.openxmlformats.org/officeDocument/2006/relationships" xmlns:p="http://schemas.openxmlformats.org/presentationml/2006/main">
+  <p:cSld>
+    <p:spTree>
+      <p:nvGrpSpPr>
+        <p:cNvPr id="1" name=""/>
+        <p:cNvGrpSpPr/>
+        <p:nvPr/>
+      </p:nvGrpSpPr>
+      <p:grpSpPr>
+        <a:xfrm>
+          <a:off x="0" y="0"/>
+          <a:ext cx="0" cy="0"/>
+          <a:chOff x="0" y="0"/>
+          <a:chExt cx="0" cy="0"/>
+        </a:xfrm>
+      </p:grpSpPr>
       <p:pic>
         <p:nvPicPr>
           <p:cNvPr id="3074" name="Picture 2"/>
@@ -3135,7 +3524,7 @@
 </p:sld>
 </file>
 
-<file path=ppt/slides/slide11.xml><?xml version="1.0" encoding="utf-8"?>
+<file path=ppt/slides/slide14.xml><?xml version="1.0" encoding="utf-8"?>
 <p:sld xmlns:a="http://schemas.openxmlformats.org/drawingml/2006/main" xmlns:r="http://schemas.openxmlformats.org/officeDocument/2006/relationships" xmlns:p="http://schemas.openxmlformats.org/presentationml/2006/main">
   <p:cSld>
     <p:spTree>
@@ -3192,7 +3581,7 @@
 </p:sld>
 </file>
 
-<file path=ppt/slides/slide12.xml><?xml version="1.0" encoding="utf-8"?>
+<file path=ppt/slides/slide15.xml><?xml version="1.0" encoding="utf-8"?>
 <p:sld xmlns:a="http://schemas.openxmlformats.org/drawingml/2006/main" xmlns:r="http://schemas.openxmlformats.org/officeDocument/2006/relationships" xmlns:p="http://schemas.openxmlformats.org/presentationml/2006/main">
   <p:cSld>
     <p:spTree>
@@ -3805,7 +4194,7 @@
 </p:sld>
 </file>
 
-<file path=ppt/slides/slide13.xml><?xml version="1.0" encoding="utf-8"?>
+<file path=ppt/slides/slide16.xml><?xml version="1.0" encoding="utf-8"?>
 <p:sld xmlns:a="http://schemas.openxmlformats.org/drawingml/2006/main" xmlns:r="http://schemas.openxmlformats.org/officeDocument/2006/relationships" xmlns:p="http://schemas.openxmlformats.org/presentationml/2006/main">
   <p:cSld>
     <p:spTree>
@@ -3922,7 +4311,7 @@
 </p:sld>
 </file>
 
-<file path=ppt/slides/slide14.xml><?xml version="1.0" encoding="utf-8"?>
+<file path=ppt/slides/slide17.xml><?xml version="1.0" encoding="utf-8"?>
 <p:sld xmlns:a="http://schemas.openxmlformats.org/drawingml/2006/main" xmlns:r="http://schemas.openxmlformats.org/officeDocument/2006/relationships" xmlns:p="http://schemas.openxmlformats.org/presentationml/2006/main">
   <p:cSld>
     <p:spTree>
@@ -3979,7 +4368,7 @@
 </p:sld>
 </file>
 
-<file path=ppt/slides/slide15.xml><?xml version="1.0" encoding="utf-8"?>
+<file path=ppt/slides/slide18.xml><?xml version="1.0" encoding="utf-8"?>
 <p:sld xmlns:a="http://schemas.openxmlformats.org/drawingml/2006/main" xmlns:r="http://schemas.openxmlformats.org/officeDocument/2006/relationships" xmlns:p="http://schemas.openxmlformats.org/presentationml/2006/main">
   <p:cSld>
     <p:spTree>
@@ -4008,77 +4397,37 @@
         </p:nvSpPr>
         <p:spPr>
           <a:xfrm>
-            <a:off x="838200" y="156754"/>
-            <a:ext cx="10515600" cy="744584"/>
+            <a:off x="838200" y="365125"/>
+            <a:ext cx="10515600" cy="849721"/>
           </a:xfrm>
         </p:spPr>
         <p:txBody>
           <a:bodyPr>
-            <a:normAutofit fontScale="90000"/>
+            <a:normAutofit/>
           </a:bodyPr>
           <a:lstStyle/>
           <a:p>
             <a:pPr algn="ctr"/>
             <a:r>
-              <a:rPr lang="en-IN" b="1" dirty="0" smtClean="0">
+              <a:rPr lang="en-IN" sz="4000" dirty="0" smtClean="0">
                 <a:solidFill>
                   <a:schemeClr val="accent2"/>
                 </a:solidFill>
-                <a:latin typeface="Georgia Pro Cond Black" panose="02040A06050405020203" pitchFamily="18" charset="0"/>
-                <a:ea typeface="Times New Roman" panose="02020603050405020304" pitchFamily="18" charset="0"/>
-                <a:cs typeface="Times New Roman" panose="02020603050405020304" pitchFamily="18" charset="0"/>
+                <a:latin typeface="Times New Roman" pitchFamily="18" charset="0"/>
+                <a:cs typeface="Times New Roman" pitchFamily="18" charset="0"/>
               </a:rPr>
-              <a:t/>
-            </a:r>
-            <a:br>
-              <a:rPr lang="en-IN" b="1" dirty="0" smtClean="0">
-                <a:solidFill>
-                  <a:schemeClr val="accent2"/>
-                </a:solidFill>
-                <a:latin typeface="Georgia Pro Cond Black" panose="02040A06050405020203" pitchFamily="18" charset="0"/>
-                <a:ea typeface="Times New Roman" panose="02020603050405020304" pitchFamily="18" charset="0"/>
-                <a:cs typeface="Times New Roman" panose="02020603050405020304" pitchFamily="18" charset="0"/>
-              </a:rPr>
-            </a:br>
-            <a:r>
-              <a:rPr lang="en-IN" b="1" dirty="0" smtClean="0">
-                <a:solidFill>
-                  <a:schemeClr val="accent2"/>
-                </a:solidFill>
-                <a:latin typeface="Georgia Pro Cond Black" panose="02040A06050405020203" pitchFamily="18" charset="0"/>
-                <a:ea typeface="Times New Roman" panose="02020603050405020304" pitchFamily="18" charset="0"/>
-                <a:cs typeface="Times New Roman" panose="02020603050405020304" pitchFamily="18" charset="0"/>
-              </a:rPr>
-              <a:t>AMI(Amazon Machine Image)</a:t>
-            </a:r>
-            <a:r>
-              <a:rPr lang="en-IN" b="1" u="sng" dirty="0" smtClean="0">
-                <a:solidFill>
-                  <a:schemeClr val="accent2"/>
-                </a:solidFill>
-                <a:latin typeface="Georgia Pro Cond Black" panose="02040A06050405020203" pitchFamily="18" charset="0"/>
-                <a:ea typeface="Times New Roman" panose="02020603050405020304" pitchFamily="18" charset="0"/>
-                <a:cs typeface="Times New Roman" panose="02020603050405020304" pitchFamily="18" charset="0"/>
-              </a:rPr>
-              <a:t/>
-            </a:r>
-            <a:br>
-              <a:rPr lang="en-IN" b="1" u="sng" dirty="0" smtClean="0">
-                <a:solidFill>
-                  <a:schemeClr val="accent2"/>
-                </a:solidFill>
-                <a:latin typeface="Georgia Pro Cond Black" panose="02040A06050405020203" pitchFamily="18" charset="0"/>
-                <a:ea typeface="Times New Roman" panose="02020603050405020304" pitchFamily="18" charset="0"/>
-                <a:cs typeface="Times New Roman" panose="02020603050405020304" pitchFamily="18" charset="0"/>
-              </a:rPr>
-            </a:br>
-            <a:endParaRPr lang="en-US" dirty="0"/>
-          </a:p>
-        </p:txBody>
-      </p:sp>
-      <p:sp>
-        <p:nvSpPr>
-          <p:cNvPr id="7" name="Content Placeholder 2"/>
+              <a:t>Route53</a:t>
+            </a:r>
+            <a:endParaRPr lang="en-US" sz="4000" dirty="0">
+              <a:latin typeface="Times New Roman" pitchFamily="18" charset="0"/>
+              <a:cs typeface="Times New Roman" pitchFamily="18" charset="0"/>
+            </a:endParaRPr>
+          </a:p>
+        </p:txBody>
+      </p:sp>
+      <p:sp>
+        <p:nvSpPr>
+          <p:cNvPr id="3" name="Content Placeholder 2"/>
           <p:cNvSpPr>
             <a:spLocks noGrp="1"/>
           </p:cNvSpPr>
@@ -4088,8 +4437,8 @@
         </p:nvSpPr>
         <p:spPr>
           <a:xfrm>
-            <a:off x="838200" y="1188720"/>
-            <a:ext cx="10515600" cy="4988243"/>
+            <a:off x="890451" y="1371599"/>
+            <a:ext cx="10515600" cy="3944984"/>
           </a:xfrm>
         </p:spPr>
         <p:txBody>
@@ -4100,50 +4449,29 @@
           <a:p>
             <a:r>
               <a:rPr lang="en-US" dirty="0" smtClean="0"/>
-              <a:t>An Amazon Machine Image (AMI) is a master image for the creation of virtual servers -- known as EC2 instances -- in the Amazon Web Services (AWS) environment.</a:t>
+              <a:t>Amazon Route 53 is a highly available and scalable Domain Name System (DNS) web service. </a:t>
             </a:r>
           </a:p>
           <a:p>
             <a:r>
               <a:rPr lang="en-US" dirty="0" smtClean="0"/>
-              <a:t>AMI is divided into two categories</a:t>
-            </a:r>
-          </a:p>
-          <a:p>
-            <a:endParaRPr lang="en-IN" dirty="0" smtClean="0"/>
-          </a:p>
-          <a:p>
-            <a:endParaRPr lang="en-IN" dirty="0" smtClean="0"/>
+              <a:t>Route 53 connects user requests to internet applications running on AWS or on-premises. </a:t>
+            </a:r>
+          </a:p>
+          <a:p>
+            <a:r>
+              <a:rPr lang="en-US" dirty="0" smtClean="0"/>
+              <a:t> Performs global server load balancing by routing each request to the AWS region closest to the requester's location.</a:t>
+            </a:r>
+          </a:p>
+          <a:p>
+            <a:endParaRPr lang="en-US" dirty="0" smtClean="0"/>
           </a:p>
           <a:p>
             <a:endParaRPr lang="en-US" dirty="0"/>
           </a:p>
         </p:txBody>
       </p:sp>
-      <p:pic>
-        <p:nvPicPr>
-          <p:cNvPr id="5" name="Picture 4" descr="aws-ami-types.png"/>
-          <p:cNvPicPr>
-            <a:picLocks noChangeAspect="1"/>
-          </p:cNvPicPr>
-          <p:nvPr/>
-        </p:nvPicPr>
-        <p:blipFill>
-          <a:blip r:embed="rId2" cstate="print"/>
-          <a:stretch>
-            <a:fillRect/>
-          </a:stretch>
-        </p:blipFill>
-        <p:spPr>
-          <a:xfrm>
-            <a:off x="3444128" y="3194027"/>
-            <a:ext cx="5173043" cy="2357687"/>
-          </a:xfrm>
-          <a:prstGeom prst="rect">
-            <a:avLst/>
-          </a:prstGeom>
-        </p:spPr>
-      </p:pic>
     </p:spTree>
   </p:cSld>
   <p:clrMapOvr>
@@ -4159,7 +4487,7 @@
 </p:sld>
 </file>
 
-<file path=ppt/slides/slide16.xml><?xml version="1.0" encoding="utf-8"?>
+<file path=ppt/slides/slide19.xml><?xml version="1.0" encoding="utf-8"?>
 <p:sld xmlns:a="http://schemas.openxmlformats.org/drawingml/2006/main" xmlns:r="http://schemas.openxmlformats.org/officeDocument/2006/relationships" xmlns:p="http://schemas.openxmlformats.org/presentationml/2006/main">
   <p:cSld>
     <p:spTree>
@@ -4176,112 +4504,36 @@
           <a:chExt cx="0" cy="0"/>
         </a:xfrm>
       </p:grpSpPr>
-      <p:sp>
-        <p:nvSpPr>
-          <p:cNvPr id="2" name="Title 1"/>
-          <p:cNvSpPr>
-            <a:spLocks noGrp="1"/>
-          </p:cNvSpPr>
-          <p:nvPr>
-            <p:ph type="title"/>
-          </p:nvPr>
-        </p:nvSpPr>
-        <p:spPr>
-          <a:xfrm>
-            <a:off x="838200" y="365125"/>
-            <a:ext cx="10515600" cy="849721"/>
-          </a:xfrm>
-        </p:spPr>
-        <p:txBody>
-          <a:bodyPr>
-            <a:normAutofit/>
-          </a:bodyPr>
-          <a:lstStyle/>
-          <a:p>
-            <a:pPr algn="ctr"/>
-            <a:r>
-              <a:rPr lang="en-IN" sz="4000" dirty="0" smtClean="0">
-                <a:solidFill>
-                  <a:schemeClr val="accent2"/>
-                </a:solidFill>
-                <a:latin typeface="Times New Roman" pitchFamily="18" charset="0"/>
-                <a:cs typeface="Times New Roman" pitchFamily="18" charset="0"/>
-              </a:rPr>
-              <a:t>EBS</a:t>
-            </a:r>
-            <a:endParaRPr lang="en-US" sz="4000" dirty="0">
-              <a:latin typeface="Times New Roman" pitchFamily="18" charset="0"/>
-              <a:cs typeface="Times New Roman" pitchFamily="18" charset="0"/>
-            </a:endParaRPr>
-          </a:p>
-        </p:txBody>
-      </p:sp>
-      <p:sp>
-        <p:nvSpPr>
-          <p:cNvPr id="3" name="Content Placeholder 2"/>
-          <p:cNvSpPr>
-            <a:spLocks noGrp="1"/>
-          </p:cNvSpPr>
-          <p:nvPr>
-            <p:ph idx="1"/>
-          </p:nvPr>
-        </p:nvSpPr>
-        <p:spPr>
-          <a:xfrm>
-            <a:off x="890451" y="1371599"/>
-            <a:ext cx="10515600" cy="3944984"/>
-          </a:xfrm>
-        </p:spPr>
-        <p:txBody>
-          <a:bodyPr>
-            <a:normAutofit/>
-          </a:bodyPr>
-          <a:lstStyle/>
-          <a:p>
-            <a:r>
-              <a:rPr lang="en-US" dirty="0" smtClean="0"/>
-              <a:t>Amazon Elastic Block Store (Amazon EBS) provides block level storage volumes for use with EC2 instances.</a:t>
-            </a:r>
-          </a:p>
-          <a:p>
-            <a:r>
-              <a:rPr lang="en-US" dirty="0" smtClean="0"/>
-              <a:t>EBS volumes behave like raw, unformatted block devices.</a:t>
-            </a:r>
-          </a:p>
-          <a:p>
-            <a:endParaRPr lang="en-US" dirty="0" smtClean="0"/>
-          </a:p>
-          <a:p>
-            <a:endParaRPr lang="en-US" dirty="0" smtClean="0"/>
-          </a:p>
-          <a:p>
-            <a:endParaRPr lang="en-US" dirty="0"/>
-          </a:p>
-        </p:txBody>
-      </p:sp>
       <p:pic>
         <p:nvPicPr>
-          <p:cNvPr id="4" name="Picture 3" descr="EBS.jpg"/>
+          <p:cNvPr id="3074" name="Picture 2"/>
           <p:cNvPicPr>
-            <a:picLocks noChangeAspect="1"/>
+            <a:picLocks noChangeAspect="1" noChangeArrowheads="1"/>
           </p:cNvPicPr>
           <p:nvPr/>
         </p:nvPicPr>
         <p:blipFill>
           <a:blip r:embed="rId2" cstate="print"/>
+          <a:srcRect/>
           <a:stretch>
             <a:fillRect/>
           </a:stretch>
         </p:blipFill>
-        <p:spPr>
+        <p:spPr bwMode="auto">
           <a:xfrm>
-            <a:off x="3317966" y="3565825"/>
-            <a:ext cx="5140960" cy="2400998"/>
+            <a:off x="529440" y="979715"/>
+            <a:ext cx="11311246" cy="4976948"/>
           </a:xfrm>
           <a:prstGeom prst="rect">
             <a:avLst/>
           </a:prstGeom>
+          <a:noFill/>
+          <a:ln w="9525">
+            <a:noFill/>
+            <a:miter lim="800000"/>
+            <a:headEnd/>
+            <a:tailEnd/>
+          </a:ln>
         </p:spPr>
       </p:pic>
     </p:spTree>
@@ -4289,18 +4541,11 @@
   <p:clrMapOvr>
     <a:masterClrMapping/>
   </p:clrMapOvr>
-  <p:timing>
-    <p:tnLst>
-      <p:par>
-        <p:cTn id="1" dur="indefinite" restart="never" nodeType="tmRoot"/>
-      </p:par>
-    </p:tnLst>
-  </p:timing>
 </p:sld>
 </file>
 
-<file path=ppt/slides/slide17.xml><?xml version="1.0" encoding="utf-8"?>
-<p:sld xmlns:a="http://schemas.openxmlformats.org/drawingml/2006/main" xmlns:r="http://schemas.openxmlformats.org/officeDocument/2006/relationships" xmlns:p="http://schemas.openxmlformats.org/presentationml/2006/main">
+<file path=ppt/slides/slide2.xml><?xml version="1.0" encoding="utf-8"?>
+<p:sld xmlns:a="http://schemas.openxmlformats.org/drawingml/2006/main" xmlns:r="http://schemas.openxmlformats.org/officeDocument/2006/relationships" xmlns:p="http://schemas.openxmlformats.org/presentationml/2006/main" showMasterSp="0">
   <p:cSld>
     <p:spTree>
       <p:nvGrpSpPr>
@@ -4318,7 +4563,13 @@
       </p:grpSpPr>
       <p:sp>
         <p:nvSpPr>
-          <p:cNvPr id="2" name="Title 1"/>
+          <p:cNvPr id="2" name="Title 1">
+            <a:extLst>
+              <a:ext uri="{FF2B5EF4-FFF2-40B4-BE49-F238E27FC236}">
+                <a16:creationId xmlns:a16="http://schemas.microsoft.com/office/drawing/2014/main" xmlns="" id="{FD19FA77-CA70-4DCD-8B7F-8DC4E9918FBF}"/>
+              </a:ext>
+            </a:extLst>
+          </p:cNvPr>
           <p:cNvSpPr>
             <a:spLocks noGrp="1"/>
           </p:cNvSpPr>
@@ -4326,39 +4577,28 @@
             <p:ph type="title"/>
           </p:nvPr>
         </p:nvSpPr>
-        <p:spPr>
-          <a:xfrm>
-            <a:off x="838200" y="365125"/>
-            <a:ext cx="10515600" cy="849721"/>
-          </a:xfrm>
-        </p:spPr>
-        <p:txBody>
-          <a:bodyPr>
-            <a:normAutofit/>
-          </a:bodyPr>
-          <a:lstStyle/>
-          <a:p>
-            <a:pPr algn="ctr"/>
-            <a:r>
-              <a:rPr lang="en-IN" sz="4000" dirty="0" smtClean="0">
-                <a:solidFill>
-                  <a:schemeClr val="accent2"/>
-                </a:solidFill>
-                <a:latin typeface="Times New Roman" pitchFamily="18" charset="0"/>
-                <a:cs typeface="Times New Roman" pitchFamily="18" charset="0"/>
-              </a:rPr>
-              <a:t>Route53</a:t>
-            </a:r>
-            <a:endParaRPr lang="en-US" sz="4000" dirty="0">
-              <a:latin typeface="Times New Roman" pitchFamily="18" charset="0"/>
-              <a:cs typeface="Times New Roman" pitchFamily="18" charset="0"/>
-            </a:endParaRPr>
-          </a:p>
-        </p:txBody>
-      </p:sp>
-      <p:sp>
-        <p:nvSpPr>
-          <p:cNvPr id="3" name="Content Placeholder 2"/>
+        <p:spPr/>
+        <p:txBody>
+          <a:bodyPr/>
+          <a:lstStyle/>
+          <a:p>
+            <a:r>
+              <a:rPr lang="en-IN" dirty="0" smtClean="0"/>
+              <a:t>Topics</a:t>
+            </a:r>
+            <a:endParaRPr lang="en-IN" dirty="0"/>
+          </a:p>
+        </p:txBody>
+      </p:sp>
+      <p:sp>
+        <p:nvSpPr>
+          <p:cNvPr id="3" name="Content Placeholder 2">
+            <a:extLst>
+              <a:ext uri="{FF2B5EF4-FFF2-40B4-BE49-F238E27FC236}">
+                <a16:creationId xmlns:a16="http://schemas.microsoft.com/office/drawing/2014/main" xmlns="" id="{9837E5CC-BF5A-4014-A960-027746B057F7}"/>
+              </a:ext>
+            </a:extLst>
+          </p:cNvPr>
           <p:cNvSpPr>
             <a:spLocks noGrp="1"/>
           </p:cNvSpPr>
@@ -4366,12 +4606,7 @@
             <p:ph idx="1"/>
           </p:nvPr>
         </p:nvSpPr>
-        <p:spPr>
-          <a:xfrm>
-            <a:off x="890451" y="1371599"/>
-            <a:ext cx="10515600" cy="3944984"/>
-          </a:xfrm>
-        </p:spPr>
+        <p:spPr/>
         <p:txBody>
           <a:bodyPr>
             <a:normAutofit/>
@@ -4380,30 +4615,79 @@
           <a:p>
             <a:r>
               <a:rPr lang="en-US" dirty="0" smtClean="0"/>
-              <a:t>Amazon Route 53 is a highly available and scalable Domain Name System (DNS) web service. </a:t>
+              <a:t>Security Groups</a:t>
             </a:r>
           </a:p>
           <a:p>
             <a:r>
               <a:rPr lang="en-US" dirty="0" smtClean="0"/>
-              <a:t>Route 53 connects user requests to internet applications running on AWS or on-premises. </a:t>
+              <a:t>Security Groups – Demo</a:t>
             </a:r>
           </a:p>
           <a:p>
             <a:r>
               <a:rPr lang="en-US" dirty="0" smtClean="0"/>
-              <a:t> Performs global server load balancing by routing each request to the AWS region closest to the requester's location.</a:t>
-            </a:r>
-          </a:p>
-          <a:p>
+              <a:t>What is EC2 instance?</a:t>
+            </a:r>
+          </a:p>
+          <a:p>
+            <a:r>
+              <a:rPr lang="en-US" dirty="0" smtClean="0"/>
+              <a:t>EC2 pricing</a:t>
+            </a:r>
+          </a:p>
+          <a:p>
+            <a:r>
+              <a:rPr lang="en-US" dirty="0" smtClean="0"/>
+              <a:t>Connect EC2 with S3 – Demo</a:t>
+            </a:r>
+          </a:p>
+          <a:p>
+            <a:r>
+              <a:rPr lang="en-US" dirty="0" smtClean="0"/>
+              <a:t>EBS</a:t>
+            </a:r>
             <a:endParaRPr lang="en-US" dirty="0" smtClean="0"/>
           </a:p>
           <a:p>
-            <a:endParaRPr lang="en-US" dirty="0"/>
+            <a:r>
+              <a:rPr lang="en-US" dirty="0" smtClean="0"/>
+              <a:t>EBS </a:t>
+            </a:r>
+            <a:r>
+              <a:rPr lang="en-US" dirty="0" smtClean="0"/>
+              <a:t>Attach/detach to EC2 </a:t>
+            </a:r>
+            <a:r>
+              <a:rPr lang="en-US" dirty="0" smtClean="0"/>
+              <a:t>– </a:t>
+            </a:r>
+            <a:r>
+              <a:rPr lang="en-US" dirty="0" smtClean="0"/>
+              <a:t>Demo</a:t>
+            </a:r>
+          </a:p>
+          <a:p>
+            <a:r>
+              <a:rPr lang="en-US" dirty="0" err="1" smtClean="0"/>
+              <a:t>CloudFront</a:t>
+            </a:r>
+            <a:r>
+              <a:rPr lang="en-US" dirty="0" smtClean="0"/>
+              <a:t> - Demo</a:t>
+            </a:r>
+          </a:p>
+          <a:p>
+            <a:endParaRPr lang="en-US" dirty="0" smtClean="0"/>
           </a:p>
         </p:txBody>
       </p:sp>
     </p:spTree>
+    <p:extLst>
+      <p:ext uri="{BB962C8B-B14F-4D97-AF65-F5344CB8AC3E}">
+        <p14:creationId xmlns:p14="http://schemas.microsoft.com/office/powerpoint/2010/main" xmlns="" val="585015999"/>
+      </p:ext>
+    </p:extLst>
   </p:cSld>
   <p:clrMapOvr>
     <a:masterClrMapping/>
@@ -4418,7 +4702,7 @@
 </p:sld>
 </file>
 
-<file path=ppt/slides/slide18.xml><?xml version="1.0" encoding="utf-8"?>
+<file path=ppt/slides/slide20.xml><?xml version="1.0" encoding="utf-8"?>
 <p:sld xmlns:a="http://schemas.openxmlformats.org/drawingml/2006/main" xmlns:r="http://schemas.openxmlformats.org/officeDocument/2006/relationships" xmlns:p="http://schemas.openxmlformats.org/presentationml/2006/main">
   <p:cSld>
     <p:spTree>
@@ -4475,7 +4759,7 @@
 </p:sld>
 </file>
 
-<file path=ppt/slides/slide19.xml><?xml version="1.0" encoding="utf-8"?>
+<file path=ppt/slides/slide21.xml><?xml version="1.0" encoding="utf-8"?>
 <p:sld xmlns:a="http://schemas.openxmlformats.org/drawingml/2006/main" xmlns:r="http://schemas.openxmlformats.org/officeDocument/2006/relationships" xmlns:p="http://schemas.openxmlformats.org/presentationml/2006/main">
   <p:cSld>
     <p:spTree>
@@ -4558,7 +4842,6 @@
               <a:rPr lang="en-US" dirty="0" smtClean="0"/>
               <a:t>Relational Database creation - Demo</a:t>
             </a:r>
-            <a:endParaRPr lang="en-US" dirty="0" smtClean="0"/>
           </a:p>
           <a:p>
             <a:endParaRPr lang="en-US" dirty="0"/>
@@ -4604,8 +4887,8 @@
 </p:sld>
 </file>
 
-<file path=ppt/slides/slide2.xml><?xml version="1.0" encoding="utf-8"?>
-<p:sld xmlns:a="http://schemas.openxmlformats.org/drawingml/2006/main" xmlns:r="http://schemas.openxmlformats.org/officeDocument/2006/relationships" xmlns:p="http://schemas.openxmlformats.org/presentationml/2006/main" showMasterSp="0">
+<file path=ppt/slides/slide22.xml><?xml version="1.0" encoding="utf-8"?>
+<p:sld xmlns:a="http://schemas.openxmlformats.org/drawingml/2006/main" xmlns:r="http://schemas.openxmlformats.org/officeDocument/2006/relationships" xmlns:p="http://schemas.openxmlformats.org/presentationml/2006/main">
   <p:cSld>
     <p:spTree>
       <p:nvGrpSpPr>
@@ -4623,13 +4906,7 @@
       </p:grpSpPr>
       <p:sp>
         <p:nvSpPr>
-          <p:cNvPr id="2" name="Title 1">
-            <a:extLst>
-              <a:ext uri="{FF2B5EF4-FFF2-40B4-BE49-F238E27FC236}">
-                <a16:creationId xmlns:a16="http://schemas.microsoft.com/office/drawing/2014/main" xmlns="" id="{FD19FA77-CA70-4DCD-8B7F-8DC4E9918FBF}"/>
-              </a:ext>
-            </a:extLst>
-          </p:cNvPr>
+          <p:cNvPr id="4" name="Title 1"/>
           <p:cNvSpPr>
             <a:spLocks noGrp="1"/>
           </p:cNvSpPr>
@@ -4637,28 +4914,39 @@
             <p:ph type="title"/>
           </p:nvPr>
         </p:nvSpPr>
-        <p:spPr/>
-        <p:txBody>
-          <a:bodyPr/>
-          <a:lstStyle/>
-          <a:p>
-            <a:r>
-              <a:rPr lang="en-IN" dirty="0" smtClean="0"/>
-              <a:t>Topics</a:t>
-            </a:r>
-            <a:endParaRPr lang="en-IN" dirty="0"/>
-          </a:p>
-        </p:txBody>
-      </p:sp>
-      <p:sp>
-        <p:nvSpPr>
-          <p:cNvPr id="3" name="Content Placeholder 2">
-            <a:extLst>
-              <a:ext uri="{FF2B5EF4-FFF2-40B4-BE49-F238E27FC236}">
-                <a16:creationId xmlns:a16="http://schemas.microsoft.com/office/drawing/2014/main" xmlns="" id="{9837E5CC-BF5A-4014-A960-027746B057F7}"/>
-              </a:ext>
-            </a:extLst>
-          </p:cNvPr>
+        <p:spPr>
+          <a:xfrm>
+            <a:off x="838200" y="365125"/>
+            <a:ext cx="10515600" cy="849721"/>
+          </a:xfrm>
+        </p:spPr>
+        <p:txBody>
+          <a:bodyPr>
+            <a:normAutofit/>
+          </a:bodyPr>
+          <a:lstStyle/>
+          <a:p>
+            <a:pPr algn="ctr"/>
+            <a:r>
+              <a:rPr lang="en-IN" sz="4000" dirty="0" smtClean="0">
+                <a:solidFill>
+                  <a:schemeClr val="accent2"/>
+                </a:solidFill>
+                <a:latin typeface="Times New Roman" pitchFamily="18" charset="0"/>
+                <a:cs typeface="Times New Roman" pitchFamily="18" charset="0"/>
+              </a:rPr>
+              <a:t>Types of Backups </a:t>
+            </a:r>
+            <a:endParaRPr lang="en-US" sz="4000" dirty="0">
+              <a:latin typeface="Times New Roman" pitchFamily="18" charset="0"/>
+              <a:cs typeface="Times New Roman" pitchFamily="18" charset="0"/>
+            </a:endParaRPr>
+          </a:p>
+        </p:txBody>
+      </p:sp>
+      <p:sp>
+        <p:nvSpPr>
+          <p:cNvPr id="5" name="Content Placeholder 2"/>
           <p:cNvSpPr>
             <a:spLocks noGrp="1"/>
           </p:cNvSpPr>
@@ -4666,7 +4954,12 @@
             <p:ph idx="1"/>
           </p:nvPr>
         </p:nvSpPr>
-        <p:spPr/>
+        <p:spPr>
+          <a:xfrm>
+            <a:off x="890451" y="1371599"/>
+            <a:ext cx="10515600" cy="1319350"/>
+          </a:xfrm>
+        </p:spPr>
         <p:txBody>
           <a:bodyPr>
             <a:normAutofit/>
@@ -4675,74 +4968,621 @@
           <a:p>
             <a:r>
               <a:rPr lang="en-US" dirty="0" smtClean="0"/>
-              <a:t>What is EC2 instance?</a:t>
+              <a:t>Automated Backups</a:t>
             </a:r>
           </a:p>
           <a:p>
             <a:r>
               <a:rPr lang="en-US" dirty="0" smtClean="0"/>
-              <a:t>EC2 pricing</a:t>
-            </a:r>
-          </a:p>
-          <a:p>
-            <a:r>
-              <a:rPr lang="en-US" dirty="0" smtClean="0"/>
-              <a:t>Security Groups</a:t>
-            </a:r>
-          </a:p>
-          <a:p>
-            <a:r>
-              <a:rPr lang="en-US" dirty="0" smtClean="0"/>
-              <a:t>Security Groups - Demo</a:t>
-            </a:r>
-          </a:p>
-          <a:p>
-            <a:r>
-              <a:rPr lang="en-US" dirty="0" smtClean="0"/>
-              <a:t>Connect EC2 with S3 – Demo</a:t>
-            </a:r>
-          </a:p>
-          <a:p>
-            <a:r>
-              <a:rPr lang="en-US" dirty="0" err="1" smtClean="0"/>
-              <a:t>CloudFront</a:t>
-            </a:r>
-            <a:r>
-              <a:rPr lang="en-US" dirty="0" smtClean="0"/>
-              <a:t> - Demo</a:t>
-            </a:r>
-          </a:p>
-          <a:p>
-            <a:r>
-              <a:rPr lang="en-US" dirty="0" smtClean="0"/>
-              <a:t>EBS</a:t>
-            </a:r>
-          </a:p>
-          <a:p>
-            <a:r>
-              <a:rPr lang="en-US" dirty="0" smtClean="0"/>
-              <a:t>EBS Volumes and Snapshots – Demo</a:t>
-            </a:r>
+              <a:t>Database Snapshots</a:t>
+            </a:r>
+            <a:endParaRPr lang="en-US" dirty="0" smtClean="0"/>
+          </a:p>
+          <a:p>
+            <a:endParaRPr lang="en-US" dirty="0"/>
           </a:p>
         </p:txBody>
       </p:sp>
     </p:spTree>
-    <p:extLst>
-      <p:ext uri="{BB962C8B-B14F-4D97-AF65-F5344CB8AC3E}">
-        <p14:creationId xmlns:p14="http://schemas.microsoft.com/office/powerpoint/2010/main" xmlns="" val="585015999"/>
-      </p:ext>
-    </p:extLst>
   </p:cSld>
   <p:clrMapOvr>
     <a:masterClrMapping/>
   </p:clrMapOvr>
-  <p:timing>
-    <p:tnLst>
-      <p:par>
-        <p:cTn id="1" dur="indefinite" restart="never" nodeType="tmRoot"/>
-      </p:par>
-    </p:tnLst>
-  </p:timing>
+</p:sld>
+</file>
+
+<file path=ppt/slides/slide23.xml><?xml version="1.0" encoding="utf-8"?>
+<p:sld xmlns:a="http://schemas.openxmlformats.org/drawingml/2006/main" xmlns:r="http://schemas.openxmlformats.org/officeDocument/2006/relationships" xmlns:p="http://schemas.openxmlformats.org/presentationml/2006/main">
+  <p:cSld>
+    <p:spTree>
+      <p:nvGrpSpPr>
+        <p:cNvPr id="1" name=""/>
+        <p:cNvGrpSpPr/>
+        <p:nvPr/>
+      </p:nvGrpSpPr>
+      <p:grpSpPr>
+        <a:xfrm>
+          <a:off x="0" y="0"/>
+          <a:ext cx="0" cy="0"/>
+          <a:chOff x="0" y="0"/>
+          <a:chExt cx="0" cy="0"/>
+        </a:xfrm>
+      </p:grpSpPr>
+      <p:sp>
+        <p:nvSpPr>
+          <p:cNvPr id="5" name="Content Placeholder 2"/>
+          <p:cNvSpPr>
+            <a:spLocks noGrp="1"/>
+          </p:cNvSpPr>
+          <p:nvPr>
+            <p:ph idx="1"/>
+          </p:nvPr>
+        </p:nvSpPr>
+        <p:spPr>
+          <a:xfrm>
+            <a:off x="890451" y="483326"/>
+            <a:ext cx="10515600" cy="3135085"/>
+          </a:xfrm>
+        </p:spPr>
+        <p:txBody>
+          <a:bodyPr>
+            <a:normAutofit/>
+          </a:bodyPr>
+          <a:lstStyle/>
+          <a:p>
+            <a:r>
+              <a:rPr lang="en-US" dirty="0" smtClean="0"/>
+              <a:t>Read Replicas:</a:t>
+            </a:r>
+            <a:endParaRPr lang="en-US" dirty="0" smtClean="0"/>
+          </a:p>
+          <a:p>
+            <a:pPr lvl="1"/>
+            <a:r>
+              <a:rPr lang="en-US" dirty="0" smtClean="0"/>
+              <a:t>Can be Multi-AZ</a:t>
+            </a:r>
+          </a:p>
+          <a:p>
+            <a:pPr lvl="1"/>
+            <a:r>
+              <a:rPr lang="en-US" dirty="0" smtClean="0"/>
+              <a:t>Used to increase performance</a:t>
+            </a:r>
+          </a:p>
+          <a:p>
+            <a:pPr lvl="1"/>
+            <a:r>
+              <a:rPr lang="en-US" dirty="0" smtClean="0"/>
+              <a:t>Must have backups turned on</a:t>
+            </a:r>
+          </a:p>
+          <a:p>
+            <a:pPr lvl="1"/>
+            <a:r>
+              <a:rPr lang="en-US" dirty="0" smtClean="0"/>
+              <a:t>Can be in different regions</a:t>
+            </a:r>
+          </a:p>
+          <a:p>
+            <a:pPr lvl="1"/>
+            <a:r>
+              <a:rPr lang="en-US" dirty="0" smtClean="0"/>
+              <a:t>Can be Aurora or </a:t>
+            </a:r>
+            <a:r>
+              <a:rPr lang="en-US" dirty="0" err="1" smtClean="0"/>
+              <a:t>MySQL</a:t>
+            </a:r>
+            <a:endParaRPr lang="en-US" dirty="0" smtClean="0"/>
+          </a:p>
+          <a:p>
+            <a:pPr lvl="1"/>
+            <a:r>
+              <a:rPr lang="en-US" dirty="0" smtClean="0"/>
+              <a:t>Can be promoted to master, this will break the read replica</a:t>
+            </a:r>
+          </a:p>
+          <a:p>
+            <a:endParaRPr lang="en-US" dirty="0" smtClean="0"/>
+          </a:p>
+          <a:p>
+            <a:endParaRPr lang="en-US" dirty="0" smtClean="0"/>
+          </a:p>
+          <a:p>
+            <a:endParaRPr lang="en-US" dirty="0" smtClean="0"/>
+          </a:p>
+          <a:p>
+            <a:endParaRPr lang="en-US" dirty="0"/>
+          </a:p>
+        </p:txBody>
+      </p:sp>
+      <p:sp>
+        <p:nvSpPr>
+          <p:cNvPr id="7" name="Content Placeholder 2"/>
+          <p:cNvSpPr txBox="1">
+            <a:spLocks/>
+          </p:cNvSpPr>
+          <p:nvPr/>
+        </p:nvSpPr>
+        <p:spPr>
+          <a:xfrm>
+            <a:off x="720633" y="3931921"/>
+            <a:ext cx="10515600" cy="1619794"/>
+          </a:xfrm>
+          <a:prstGeom prst="rect">
+            <a:avLst/>
+          </a:prstGeom>
+        </p:spPr>
+        <p:txBody>
+          <a:bodyPr vert="horz" lIns="91440" tIns="45720" rIns="91440" bIns="45720" rtlCol="0">
+            <a:normAutofit/>
+          </a:bodyPr>
+          <a:lstStyle/>
+          <a:p>
+            <a:pPr marL="228600" marR="0" lvl="0" indent="-228600" algn="l" defTabSz="914400" rtl="0" eaLnBrk="1" fontAlgn="auto" latinLnBrk="0" hangingPunct="1">
+              <a:lnSpc>
+                <a:spcPct val="90000"/>
+              </a:lnSpc>
+              <a:spcBef>
+                <a:spcPts val="1000"/>
+              </a:spcBef>
+              <a:spcAft>
+                <a:spcPts val="0"/>
+              </a:spcAft>
+              <a:buClrTx/>
+              <a:buSzTx/>
+              <a:buFont typeface="Arial" panose="020B0604020202020204" pitchFamily="34" charset="0"/>
+              <a:buChar char="•"/>
+              <a:tabLst/>
+              <a:defRPr/>
+            </a:pPr>
+            <a:r>
+              <a:rPr kumimoji="0" lang="en-US" sz="2800" b="0" i="0" u="none" strike="noStrike" kern="1200" cap="none" spc="0" normalizeH="0" baseline="0" noProof="0" dirty="0" smtClean="0">
+                <a:ln>
+                  <a:noFill/>
+                </a:ln>
+                <a:solidFill>
+                  <a:schemeClr val="tx1"/>
+                </a:solidFill>
+                <a:effectLst/>
+                <a:uLnTx/>
+                <a:uFillTx/>
+                <a:latin typeface="+mn-lt"/>
+                <a:ea typeface="+mn-ea"/>
+                <a:cs typeface="+mn-cs"/>
+              </a:rPr>
+              <a:t>Multi AZ:</a:t>
+            </a:r>
+          </a:p>
+          <a:p>
+            <a:pPr marL="685800" marR="0" lvl="1" indent="-228600" algn="l" defTabSz="914400" rtl="0" eaLnBrk="1" fontAlgn="auto" latinLnBrk="0" hangingPunct="1">
+              <a:lnSpc>
+                <a:spcPct val="90000"/>
+              </a:lnSpc>
+              <a:spcBef>
+                <a:spcPts val="500"/>
+              </a:spcBef>
+              <a:spcAft>
+                <a:spcPts val="0"/>
+              </a:spcAft>
+              <a:buClrTx/>
+              <a:buSzTx/>
+              <a:buFont typeface="Arial" panose="020B0604020202020204" pitchFamily="34" charset="0"/>
+              <a:buChar char="•"/>
+              <a:tabLst/>
+              <a:defRPr/>
+            </a:pPr>
+            <a:r>
+              <a:rPr kumimoji="0" lang="en-US" sz="2400" b="0" i="0" u="none" strike="noStrike" kern="1200" cap="none" spc="0" normalizeH="0" baseline="0" noProof="0" dirty="0" smtClean="0">
+                <a:ln>
+                  <a:noFill/>
+                </a:ln>
+                <a:solidFill>
+                  <a:schemeClr val="tx1"/>
+                </a:solidFill>
+                <a:effectLst/>
+                <a:uLnTx/>
+                <a:uFillTx/>
+                <a:latin typeface="+mn-lt"/>
+                <a:ea typeface="+mn-ea"/>
+                <a:cs typeface="+mn-cs"/>
+              </a:rPr>
+              <a:t>Used for DR(Disaster Recovery)</a:t>
+            </a:r>
+          </a:p>
+          <a:p>
+            <a:pPr marL="685800" marR="0" lvl="1" indent="-228600" algn="l" defTabSz="914400" rtl="0" eaLnBrk="1" fontAlgn="auto" latinLnBrk="0" hangingPunct="1">
+              <a:lnSpc>
+                <a:spcPct val="90000"/>
+              </a:lnSpc>
+              <a:spcBef>
+                <a:spcPts val="500"/>
+              </a:spcBef>
+              <a:spcAft>
+                <a:spcPts val="0"/>
+              </a:spcAft>
+              <a:buClrTx/>
+              <a:buSzTx/>
+              <a:buFont typeface="Arial" panose="020B0604020202020204" pitchFamily="34" charset="0"/>
+              <a:buChar char="•"/>
+              <a:tabLst/>
+              <a:defRPr/>
+            </a:pPr>
+            <a:r>
+              <a:rPr kumimoji="0" lang="en-US" sz="2400" b="0" i="0" u="none" strike="noStrike" kern="1200" cap="none" spc="0" normalizeH="0" baseline="0" noProof="0" dirty="0" smtClean="0">
+                <a:ln>
+                  <a:noFill/>
+                </a:ln>
+                <a:solidFill>
+                  <a:schemeClr val="tx1"/>
+                </a:solidFill>
+                <a:effectLst/>
+                <a:uLnTx/>
+                <a:uFillTx/>
+                <a:latin typeface="+mn-lt"/>
+                <a:ea typeface="+mn-ea"/>
+                <a:cs typeface="+mn-cs"/>
+              </a:rPr>
+              <a:t>You can force a failover from one AZ to another by rebooting the RDS instance</a:t>
+            </a:r>
+          </a:p>
+          <a:p>
+            <a:pPr marL="228600" marR="0" lvl="0" indent="-228600" algn="l" defTabSz="914400" rtl="0" eaLnBrk="1" fontAlgn="auto" latinLnBrk="0" hangingPunct="1">
+              <a:lnSpc>
+                <a:spcPct val="90000"/>
+              </a:lnSpc>
+              <a:spcBef>
+                <a:spcPts val="1000"/>
+              </a:spcBef>
+              <a:spcAft>
+                <a:spcPts val="0"/>
+              </a:spcAft>
+              <a:buClrTx/>
+              <a:buSzTx/>
+              <a:buFont typeface="Arial" panose="020B0604020202020204" pitchFamily="34" charset="0"/>
+              <a:buChar char="•"/>
+              <a:tabLst/>
+              <a:defRPr/>
+            </a:pPr>
+            <a:endParaRPr kumimoji="0" lang="en-US" sz="2800" b="0" i="0" u="none" strike="noStrike" kern="1200" cap="none" spc="0" normalizeH="0" baseline="0" noProof="0" dirty="0" smtClean="0">
+              <a:ln>
+                <a:noFill/>
+              </a:ln>
+              <a:solidFill>
+                <a:schemeClr val="tx1"/>
+              </a:solidFill>
+              <a:effectLst/>
+              <a:uLnTx/>
+              <a:uFillTx/>
+              <a:latin typeface="+mn-lt"/>
+              <a:ea typeface="+mn-ea"/>
+              <a:cs typeface="+mn-cs"/>
+            </a:endParaRPr>
+          </a:p>
+          <a:p>
+            <a:pPr marL="228600" marR="0" lvl="0" indent="-228600" algn="l" defTabSz="914400" rtl="0" eaLnBrk="1" fontAlgn="auto" latinLnBrk="0" hangingPunct="1">
+              <a:lnSpc>
+                <a:spcPct val="90000"/>
+              </a:lnSpc>
+              <a:spcBef>
+                <a:spcPts val="1000"/>
+              </a:spcBef>
+              <a:spcAft>
+                <a:spcPts val="0"/>
+              </a:spcAft>
+              <a:buClrTx/>
+              <a:buSzTx/>
+              <a:buFont typeface="Arial" panose="020B0604020202020204" pitchFamily="34" charset="0"/>
+              <a:buChar char="•"/>
+              <a:tabLst/>
+              <a:defRPr/>
+            </a:pPr>
+            <a:endParaRPr kumimoji="0" lang="en-US" sz="2800" b="0" i="0" u="none" strike="noStrike" kern="1200" cap="none" spc="0" normalizeH="0" baseline="0" noProof="0" dirty="0" smtClean="0">
+              <a:ln>
+                <a:noFill/>
+              </a:ln>
+              <a:solidFill>
+                <a:schemeClr val="tx1"/>
+              </a:solidFill>
+              <a:effectLst/>
+              <a:uLnTx/>
+              <a:uFillTx/>
+              <a:latin typeface="+mn-lt"/>
+              <a:ea typeface="+mn-ea"/>
+              <a:cs typeface="+mn-cs"/>
+            </a:endParaRPr>
+          </a:p>
+          <a:p>
+            <a:pPr marL="228600" marR="0" lvl="0" indent="-228600" algn="l" defTabSz="914400" rtl="0" eaLnBrk="1" fontAlgn="auto" latinLnBrk="0" hangingPunct="1">
+              <a:lnSpc>
+                <a:spcPct val="90000"/>
+              </a:lnSpc>
+              <a:spcBef>
+                <a:spcPts val="1000"/>
+              </a:spcBef>
+              <a:spcAft>
+                <a:spcPts val="0"/>
+              </a:spcAft>
+              <a:buClrTx/>
+              <a:buSzTx/>
+              <a:buFont typeface="Arial" panose="020B0604020202020204" pitchFamily="34" charset="0"/>
+              <a:buChar char="•"/>
+              <a:tabLst/>
+              <a:defRPr/>
+            </a:pPr>
+            <a:endParaRPr kumimoji="0" lang="en-US" sz="2800" b="0" i="0" u="none" strike="noStrike" kern="1200" cap="none" spc="0" normalizeH="0" baseline="0" noProof="0" dirty="0" smtClean="0">
+              <a:ln>
+                <a:noFill/>
+              </a:ln>
+              <a:solidFill>
+                <a:schemeClr val="tx1"/>
+              </a:solidFill>
+              <a:effectLst/>
+              <a:uLnTx/>
+              <a:uFillTx/>
+              <a:latin typeface="+mn-lt"/>
+              <a:ea typeface="+mn-ea"/>
+              <a:cs typeface="+mn-cs"/>
+            </a:endParaRPr>
+          </a:p>
+          <a:p>
+            <a:pPr marL="228600" marR="0" lvl="0" indent="-228600" algn="l" defTabSz="914400" rtl="0" eaLnBrk="1" fontAlgn="auto" latinLnBrk="0" hangingPunct="1">
+              <a:lnSpc>
+                <a:spcPct val="90000"/>
+              </a:lnSpc>
+              <a:spcBef>
+                <a:spcPts val="1000"/>
+              </a:spcBef>
+              <a:spcAft>
+                <a:spcPts val="0"/>
+              </a:spcAft>
+              <a:buClrTx/>
+              <a:buSzTx/>
+              <a:buFont typeface="Arial" panose="020B0604020202020204" pitchFamily="34" charset="0"/>
+              <a:buChar char="•"/>
+              <a:tabLst/>
+              <a:defRPr/>
+            </a:pPr>
+            <a:endParaRPr kumimoji="0" lang="en-US" sz="2800" b="0" i="0" u="none" strike="noStrike" kern="1200" cap="none" spc="0" normalizeH="0" baseline="0" noProof="0" dirty="0">
+              <a:ln>
+                <a:noFill/>
+              </a:ln>
+              <a:solidFill>
+                <a:schemeClr val="tx1"/>
+              </a:solidFill>
+              <a:effectLst/>
+              <a:uLnTx/>
+              <a:uFillTx/>
+              <a:latin typeface="+mn-lt"/>
+              <a:ea typeface="+mn-ea"/>
+              <a:cs typeface="+mn-cs"/>
+            </a:endParaRPr>
+          </a:p>
+        </p:txBody>
+      </p:sp>
+    </p:spTree>
+  </p:cSld>
+  <p:clrMapOvr>
+    <a:masterClrMapping/>
+  </p:clrMapOvr>
+</p:sld>
+</file>
+
+<file path=ppt/slides/slide24.xml><?xml version="1.0" encoding="utf-8"?>
+<p:sld xmlns:a="http://schemas.openxmlformats.org/drawingml/2006/main" xmlns:r="http://schemas.openxmlformats.org/officeDocument/2006/relationships" xmlns:p="http://schemas.openxmlformats.org/presentationml/2006/main">
+  <p:cSld>
+    <p:spTree>
+      <p:nvGrpSpPr>
+        <p:cNvPr id="1" name=""/>
+        <p:cNvGrpSpPr/>
+        <p:nvPr/>
+      </p:nvGrpSpPr>
+      <p:grpSpPr>
+        <a:xfrm>
+          <a:off x="0" y="0"/>
+          <a:ext cx="0" cy="0"/>
+          <a:chOff x="0" y="0"/>
+          <a:chExt cx="0" cy="0"/>
+        </a:xfrm>
+      </p:grpSpPr>
+      <p:sp>
+        <p:nvSpPr>
+          <p:cNvPr id="5" name="Content Placeholder 2"/>
+          <p:cNvSpPr>
+            <a:spLocks noGrp="1"/>
+          </p:cNvSpPr>
+          <p:nvPr>
+            <p:ph idx="1"/>
+          </p:nvPr>
+        </p:nvSpPr>
+        <p:spPr>
+          <a:xfrm>
+            <a:off x="799011" y="1750423"/>
+            <a:ext cx="10515600" cy="2495005"/>
+          </a:xfrm>
+        </p:spPr>
+        <p:txBody>
+          <a:bodyPr>
+            <a:normAutofit/>
+          </a:bodyPr>
+          <a:lstStyle/>
+          <a:p>
+            <a:r>
+              <a:rPr lang="en-US" dirty="0" smtClean="0"/>
+              <a:t>Encryption at rest is supported for </a:t>
+            </a:r>
+            <a:r>
+              <a:rPr lang="en-US" dirty="0" err="1" smtClean="0"/>
+              <a:t>MySQL</a:t>
+            </a:r>
+            <a:r>
+              <a:rPr lang="en-US" dirty="0" smtClean="0"/>
+              <a:t>, Oracle, SQL Server, </a:t>
+            </a:r>
+            <a:r>
+              <a:rPr lang="en-US" dirty="0" err="1" smtClean="0"/>
+              <a:t>PostgreSQL</a:t>
+            </a:r>
+            <a:r>
+              <a:rPr lang="en-US" dirty="0" smtClean="0"/>
+              <a:t>, </a:t>
+            </a:r>
+            <a:r>
+              <a:rPr lang="en-US" dirty="0" err="1" smtClean="0"/>
+              <a:t>MariaDB</a:t>
+            </a:r>
+            <a:r>
+              <a:rPr lang="en-US" dirty="0" smtClean="0"/>
+              <a:t> and Aurora. Encryption is done using the AWS Key Management Service (KMS) service. Once your RDS instance is encrypted, the data stored at rest in the underlying storage is encrypted, as are its automated backups, read replicas and snapshots.  </a:t>
+            </a:r>
+          </a:p>
+          <a:p>
+            <a:endParaRPr lang="en-US" dirty="0" smtClean="0"/>
+          </a:p>
+          <a:p>
+            <a:endParaRPr lang="en-US" dirty="0" smtClean="0"/>
+          </a:p>
+          <a:p>
+            <a:endParaRPr lang="en-US" dirty="0" smtClean="0"/>
+          </a:p>
+          <a:p>
+            <a:endParaRPr lang="en-US" dirty="0"/>
+          </a:p>
+        </p:txBody>
+      </p:sp>
+    </p:spTree>
+  </p:cSld>
+  <p:clrMapOvr>
+    <a:masterClrMapping/>
+  </p:clrMapOvr>
+</p:sld>
+</file>
+
+<file path=ppt/slides/slide25.xml><?xml version="1.0" encoding="utf-8"?>
+<p:sld xmlns:a="http://schemas.openxmlformats.org/drawingml/2006/main" xmlns:r="http://schemas.openxmlformats.org/officeDocument/2006/relationships" xmlns:p="http://schemas.openxmlformats.org/presentationml/2006/main">
+  <p:cSld>
+    <p:spTree>
+      <p:nvGrpSpPr>
+        <p:cNvPr id="1" name=""/>
+        <p:cNvGrpSpPr/>
+        <p:nvPr/>
+      </p:nvGrpSpPr>
+      <p:grpSpPr>
+        <a:xfrm>
+          <a:off x="0" y="0"/>
+          <a:ext cx="0" cy="0"/>
+          <a:chOff x="0" y="0"/>
+          <a:chExt cx="0" cy="0"/>
+        </a:xfrm>
+      </p:grpSpPr>
+      <p:sp>
+        <p:nvSpPr>
+          <p:cNvPr id="4" name="Title 1"/>
+          <p:cNvSpPr>
+            <a:spLocks noGrp="1"/>
+          </p:cNvSpPr>
+          <p:nvPr>
+            <p:ph type="title"/>
+          </p:nvPr>
+        </p:nvSpPr>
+        <p:spPr>
+          <a:xfrm>
+            <a:off x="694508" y="299811"/>
+            <a:ext cx="10515600" cy="849721"/>
+          </a:xfrm>
+        </p:spPr>
+        <p:txBody>
+          <a:bodyPr>
+            <a:normAutofit/>
+          </a:bodyPr>
+          <a:lstStyle/>
+          <a:p>
+            <a:pPr algn="ctr"/>
+            <a:r>
+              <a:rPr lang="en-IN" sz="4000" dirty="0" err="1" smtClean="0">
+                <a:solidFill>
+                  <a:schemeClr val="accent2"/>
+                </a:solidFill>
+                <a:latin typeface="Times New Roman" pitchFamily="18" charset="0"/>
+                <a:cs typeface="Times New Roman" pitchFamily="18" charset="0"/>
+              </a:rPr>
+              <a:t>DynamoDb</a:t>
+            </a:r>
+            <a:endParaRPr lang="en-US" sz="4000" dirty="0">
+              <a:latin typeface="Times New Roman" pitchFamily="18" charset="0"/>
+              <a:cs typeface="Times New Roman" pitchFamily="18" charset="0"/>
+            </a:endParaRPr>
+          </a:p>
+        </p:txBody>
+      </p:sp>
+      <p:sp>
+        <p:nvSpPr>
+          <p:cNvPr id="5" name="Content Placeholder 2"/>
+          <p:cNvSpPr>
+            <a:spLocks noGrp="1"/>
+          </p:cNvSpPr>
+          <p:nvPr>
+            <p:ph idx="1"/>
+          </p:nvPr>
+        </p:nvSpPr>
+        <p:spPr>
+          <a:xfrm>
+            <a:off x="890451" y="1371598"/>
+            <a:ext cx="10515600" cy="5029201"/>
+          </a:xfrm>
+        </p:spPr>
+        <p:txBody>
+          <a:bodyPr>
+            <a:normAutofit/>
+          </a:bodyPr>
+          <a:lstStyle/>
+          <a:p>
+            <a:r>
+              <a:rPr lang="en-US" dirty="0" smtClean="0"/>
+              <a:t>Managed </a:t>
+            </a:r>
+            <a:r>
+              <a:rPr lang="en-US" dirty="0" err="1" smtClean="0"/>
+              <a:t>NoSQL</a:t>
+            </a:r>
+            <a:r>
+              <a:rPr lang="en-US" dirty="0" smtClean="0"/>
+              <a:t> Database optimized for performance at scale</a:t>
+            </a:r>
+          </a:p>
+          <a:p>
+            <a:r>
+              <a:rPr lang="en-US" dirty="0" smtClean="0"/>
+              <a:t>High Availability and Durability</a:t>
+            </a:r>
+          </a:p>
+          <a:p>
+            <a:r>
+              <a:rPr lang="en-US" dirty="0" smtClean="0"/>
+              <a:t>Access through API/ORMs and authorized through IAM</a:t>
+            </a:r>
+          </a:p>
+          <a:p>
+            <a:r>
+              <a:rPr lang="en-US" dirty="0" smtClean="0"/>
+              <a:t>Integrated well with other AWS Services </a:t>
+            </a:r>
+          </a:p>
+          <a:p>
+            <a:r>
+              <a:rPr lang="en-US" dirty="0" smtClean="0"/>
+              <a:t>Cost effective usage based payment model</a:t>
+            </a:r>
+            <a:endParaRPr lang="en-US" dirty="0"/>
+          </a:p>
+        </p:txBody>
+      </p:sp>
+    </p:spTree>
+  </p:cSld>
+  <p:clrMapOvr>
+    <a:masterClrMapping/>
+  </p:clrMapOvr>
 </p:sld>
 </file>
 
@@ -4793,25 +5633,24 @@
           <a:p>
             <a:r>
               <a:rPr lang="en-US" dirty="0" smtClean="0"/>
-              <a:t>Instance Metadata – Demo</a:t>
-            </a:r>
+              <a:t>Route53</a:t>
+            </a:r>
+            <a:endParaRPr lang="en-US" dirty="0" smtClean="0"/>
           </a:p>
           <a:p>
             <a:r>
               <a:rPr lang="en-US" dirty="0" smtClean="0"/>
-              <a:t>AMI Types (EBS vs. Instance Store)</a:t>
-            </a:r>
-          </a:p>
-          <a:p>
+              <a:t>Database Creation </a:t>
+            </a:r>
             <a:r>
               <a:rPr lang="en-US" dirty="0" smtClean="0"/>
-              <a:t>Route53</a:t>
-            </a:r>
-          </a:p>
-          <a:p>
-            <a:r>
-              <a:rPr lang="en-US" dirty="0" smtClean="0"/>
-              <a:t>Database Creation - Demo</a:t>
+              <a:t>– Demo</a:t>
+            </a:r>
+          </a:p>
+          <a:p>
+            <a:r>
+              <a:rPr lang="en-US" dirty="0" err="1" smtClean="0"/>
+              <a:t>DynamoDb</a:t>
             </a:r>
             <a:endParaRPr lang="en-US" dirty="0" smtClean="0"/>
           </a:p>
@@ -4859,6 +5698,279 @@
           <p:cNvPr id="6" name="TextBox 5">
             <a:extLst>
               <a:ext uri="{FF2B5EF4-FFF2-40B4-BE49-F238E27FC236}">
+                <a16:creationId xmlns:a16="http://schemas.microsoft.com/office/drawing/2014/main" xmlns="" id="{ED1E1237-A448-408E-B5D6-D8369236416B}"/>
+              </a:ext>
+            </a:extLst>
+          </p:cNvPr>
+          <p:cNvSpPr txBox="1"/>
+          <p:nvPr/>
+        </p:nvSpPr>
+        <p:spPr>
+          <a:xfrm>
+            <a:off x="1251117" y="533049"/>
+            <a:ext cx="9579006" cy="764055"/>
+          </a:xfrm>
+          <a:prstGeom prst="rect">
+            <a:avLst/>
+          </a:prstGeom>
+          <a:noFill/>
+        </p:spPr>
+        <p:txBody>
+          <a:bodyPr wrap="square">
+            <a:spAutoFit/>
+          </a:bodyPr>
+          <a:lstStyle/>
+          <a:p>
+            <a:pPr algn="ctr">
+              <a:lnSpc>
+                <a:spcPct val="107000"/>
+              </a:lnSpc>
+              <a:spcAft>
+                <a:spcPts val="800"/>
+              </a:spcAft>
+            </a:pPr>
+            <a:r>
+              <a:rPr lang="en-IN" sz="4400" b="1" i="1" u="sng" dirty="0" smtClean="0">
+                <a:solidFill>
+                  <a:srgbClr val="FF0066"/>
+                </a:solidFill>
+                <a:latin typeface="Georgia Pro Cond Black" panose="02040A06050405020203" pitchFamily="18" charset="0"/>
+                <a:ea typeface="Calibri" panose="020F0502020204030204" pitchFamily="34" charset="0"/>
+                <a:cs typeface="Times New Roman" panose="02020603050405020304" pitchFamily="18" charset="0"/>
+              </a:rPr>
+              <a:t>Security Groups</a:t>
+            </a:r>
+            <a:endParaRPr lang="en-IN" sz="4400" b="1" i="1" u="sng" dirty="0">
+              <a:solidFill>
+                <a:srgbClr val="FF0066"/>
+              </a:solidFill>
+              <a:effectLst/>
+              <a:latin typeface="Georgia Pro Cond Black" panose="02040A06050405020203" pitchFamily="18" charset="0"/>
+              <a:ea typeface="Calibri" panose="020F0502020204030204" pitchFamily="34" charset="0"/>
+              <a:cs typeface="Times New Roman" panose="02020603050405020304" pitchFamily="18" charset="0"/>
+            </a:endParaRPr>
+          </a:p>
+        </p:txBody>
+      </p:sp>
+      <p:sp>
+        <p:nvSpPr>
+          <p:cNvPr id="8" name="TextBox 7">
+            <a:extLst>
+              <a:ext uri="{FF2B5EF4-FFF2-40B4-BE49-F238E27FC236}">
+                <a16:creationId xmlns:a16="http://schemas.microsoft.com/office/drawing/2014/main" xmlns="" id="{949EF0AF-964C-4D82-BF5B-311F6AF6801A}"/>
+              </a:ext>
+            </a:extLst>
+          </p:cNvPr>
+          <p:cNvSpPr txBox="1"/>
+          <p:nvPr/>
+        </p:nvSpPr>
+        <p:spPr>
+          <a:xfrm>
+            <a:off x="838200" y="1632857"/>
+            <a:ext cx="10515600" cy="2035301"/>
+          </a:xfrm>
+          <a:prstGeom prst="rect">
+            <a:avLst/>
+          </a:prstGeom>
+          <a:noFill/>
+        </p:spPr>
+        <p:txBody>
+          <a:bodyPr wrap="square">
+            <a:spAutoFit/>
+          </a:bodyPr>
+          <a:lstStyle/>
+          <a:p>
+            <a:pPr>
+              <a:lnSpc>
+                <a:spcPct val="107000"/>
+              </a:lnSpc>
+              <a:spcAft>
+                <a:spcPts val="800"/>
+              </a:spcAft>
+              <a:buFont typeface="Arial" pitchFamily="34" charset="0"/>
+              <a:buChar char="•"/>
+            </a:pPr>
+            <a:r>
+              <a:rPr lang="en-IN" sz="2400" dirty="0" smtClean="0"/>
+              <a:t> </a:t>
+            </a:r>
+            <a:r>
+              <a:rPr lang="en-US" sz="2400" dirty="0" smtClean="0"/>
+              <a:t>A security group controls the traffic that is allowed to reach and leave the resources that it is associated with. For example, after you associate a security group with an EC2 instance, it controls the inbound and outbound traffic for the instance. </a:t>
+            </a:r>
+            <a:r>
+              <a:rPr lang="en-IN" sz="2200" dirty="0" smtClean="0">
+                <a:solidFill>
+                  <a:srgbClr val="000000"/>
+                </a:solidFill>
+                <a:effectLst/>
+                <a:latin typeface="Cambria" panose="02040503050406030204" pitchFamily="18" charset="0"/>
+                <a:ea typeface="Cambria" panose="02040503050406030204" pitchFamily="18" charset="0"/>
+                <a:cs typeface="Times New Roman" panose="02020603050405020304" pitchFamily="18" charset="0"/>
+              </a:rPr>
+              <a:t/>
+            </a:r>
+            <a:br>
+              <a:rPr lang="en-IN" sz="2200" dirty="0" smtClean="0">
+                <a:solidFill>
+                  <a:srgbClr val="000000"/>
+                </a:solidFill>
+                <a:effectLst/>
+                <a:latin typeface="Cambria" panose="02040503050406030204" pitchFamily="18" charset="0"/>
+                <a:ea typeface="Cambria" panose="02040503050406030204" pitchFamily="18" charset="0"/>
+                <a:cs typeface="Times New Roman" panose="02020603050405020304" pitchFamily="18" charset="0"/>
+              </a:rPr>
+            </a:br>
+            <a:endParaRPr lang="en-IN" sz="2200" dirty="0">
+              <a:solidFill>
+                <a:srgbClr val="000000"/>
+              </a:solidFill>
+              <a:effectLst/>
+              <a:latin typeface="Cambria" panose="02040503050406030204" pitchFamily="18" charset="0"/>
+              <a:ea typeface="Cambria" panose="02040503050406030204" pitchFamily="18" charset="0"/>
+              <a:cs typeface="Times New Roman" panose="02020603050405020304" pitchFamily="18" charset="0"/>
+            </a:endParaRPr>
+          </a:p>
+        </p:txBody>
+      </p:sp>
+      <p:pic>
+        <p:nvPicPr>
+          <p:cNvPr id="4" name="Picture 3" descr="AWS_Security_Groups.png"/>
+          <p:cNvPicPr>
+            <a:picLocks noChangeAspect="1"/>
+          </p:cNvPicPr>
+          <p:nvPr/>
+        </p:nvPicPr>
+        <p:blipFill>
+          <a:blip r:embed="rId2" cstate="print"/>
+          <a:stretch>
+            <a:fillRect/>
+          </a:stretch>
+        </p:blipFill>
+        <p:spPr>
+          <a:xfrm>
+            <a:off x="3344091" y="3000973"/>
+            <a:ext cx="6470468" cy="3558757"/>
+          </a:xfrm>
+          <a:prstGeom prst="rect">
+            <a:avLst/>
+          </a:prstGeom>
+        </p:spPr>
+      </p:pic>
+    </p:spTree>
+    <p:extLst>
+      <p:ext uri="{BB962C8B-B14F-4D97-AF65-F5344CB8AC3E}">
+        <p14:creationId xmlns:p14="http://schemas.microsoft.com/office/powerpoint/2010/main" xmlns="" val="446407478"/>
+      </p:ext>
+    </p:extLst>
+  </p:cSld>
+  <p:clrMapOvr>
+    <a:masterClrMapping/>
+  </p:clrMapOvr>
+  <p:timing>
+    <p:tnLst>
+      <p:par>
+        <p:cTn id="1" dur="indefinite" restart="never" nodeType="tmRoot">
+          <p:childTnLst>
+            <p:seq concurrent="1" nextAc="seek">
+              <p:cTn id="2" dur="indefinite" nodeType="mainSeq">
+                <p:childTnLst>
+                  <p:par>
+                    <p:cTn id="3" fill="hold">
+                      <p:stCondLst>
+                        <p:cond delay="indefinite"/>
+                      </p:stCondLst>
+                      <p:childTnLst>
+                        <p:par>
+                          <p:cTn id="4" fill="hold">
+                            <p:stCondLst>
+                              <p:cond delay="0"/>
+                            </p:stCondLst>
+                            <p:childTnLst>
+                              <p:par>
+                                <p:cTn id="5" presetID="1" presetClass="entr" presetSubtype="0" fill="hold" nodeType="clickEffect">
+                                  <p:stCondLst>
+                                    <p:cond delay="0"/>
+                                  </p:stCondLst>
+                                  <p:childTnLst>
+                                    <p:set>
+                                      <p:cBhvr>
+                                        <p:cTn id="6" dur="1" fill="hold">
+                                          <p:stCondLst>
+                                            <p:cond delay="0"/>
+                                          </p:stCondLst>
+                                        </p:cTn>
+                                        <p:tgtEl>
+                                          <p:spTgt spid="8">
+                                            <p:txEl>
+                                              <p:pRg st="0" end="0"/>
+                                            </p:txEl>
+                                          </p:spTgt>
+                                        </p:tgtEl>
+                                        <p:attrNameLst>
+                                          <p:attrName>style.visibility</p:attrName>
+                                        </p:attrNameLst>
+                                      </p:cBhvr>
+                                      <p:to>
+                                        <p:strVal val="visible"/>
+                                      </p:to>
+                                    </p:set>
+                                  </p:childTnLst>
+                                </p:cTn>
+                              </p:par>
+                            </p:childTnLst>
+                          </p:cTn>
+                        </p:par>
+                      </p:childTnLst>
+                    </p:cTn>
+                  </p:par>
+                </p:childTnLst>
+              </p:cTn>
+              <p:prevCondLst>
+                <p:cond evt="onPrev" delay="0">
+                  <p:tgtEl>
+                    <p:sldTgt/>
+                  </p:tgtEl>
+                </p:cond>
+              </p:prevCondLst>
+              <p:nextCondLst>
+                <p:cond evt="onNext" delay="0">
+                  <p:tgtEl>
+                    <p:sldTgt/>
+                  </p:tgtEl>
+                </p:cond>
+              </p:nextCondLst>
+            </p:seq>
+          </p:childTnLst>
+        </p:cTn>
+      </p:par>
+    </p:tnLst>
+  </p:timing>
+</p:sld>
+</file>
+
+<file path=ppt/slides/slide5.xml><?xml version="1.0" encoding="utf-8"?>
+<p:sld xmlns:a="http://schemas.openxmlformats.org/drawingml/2006/main" xmlns:r="http://schemas.openxmlformats.org/officeDocument/2006/relationships" xmlns:p="http://schemas.openxmlformats.org/presentationml/2006/main">
+  <p:cSld>
+    <p:spTree>
+      <p:nvGrpSpPr>
+        <p:cNvPr id="1" name=""/>
+        <p:cNvGrpSpPr/>
+        <p:nvPr/>
+      </p:nvGrpSpPr>
+      <p:grpSpPr>
+        <a:xfrm>
+          <a:off x="0" y="0"/>
+          <a:ext cx="0" cy="0"/>
+          <a:chOff x="0" y="0"/>
+          <a:chExt cx="0" cy="0"/>
+        </a:xfrm>
+      </p:grpSpPr>
+      <p:sp>
+        <p:nvSpPr>
+          <p:cNvPr id="6" name="TextBox 5">
+            <a:extLst>
+              <a:ext uri="{FF2B5EF4-FFF2-40B4-BE49-F238E27FC236}">
                 <a16:creationId xmlns:a16="http://schemas.microsoft.com/office/drawing/2014/main" xmlns="" id="{4FE09D13-9B65-4D5F-AD52-4D391F0966F6}"/>
               </a:ext>
             </a:extLst>
@@ -4868,8 +5980,8 @@
         </p:nvSpPr>
         <p:spPr>
           <a:xfrm>
-            <a:off x="877388" y="1681150"/>
-            <a:ext cx="10515599" cy="4524508"/>
+            <a:off x="877388" y="1681151"/>
+            <a:ext cx="10515599" cy="3442161"/>
           </a:xfrm>
           <a:prstGeom prst="rect">
             <a:avLst/>
@@ -4884,13 +5996,48 @@
           <a:p>
             <a:r>
               <a:rPr lang="en-US" sz="2400" dirty="0" smtClean="0"/>
-              <a:t>✔ Amazon Elastic Compute Cloud (Amazon EC2) is a web service that provides secure, resizable compute capacity in the cloud.</a:t>
-            </a:r>
-          </a:p>
-          <a:p>
+              <a:t>✔ </a:t>
+            </a:r>
             <a:r>
               <a:rPr lang="en-US" sz="2400" dirty="0" smtClean="0"/>
-              <a:t>✔ Access reliable, scalable infrastructure on demand. Scale capacity within minutes with SLA commitment of 99.99% availability.</a:t>
+              <a:t>EC2</a:t>
+            </a:r>
+            <a:r>
+              <a:rPr lang="en-US" sz="2400" dirty="0" smtClean="0"/>
+              <a:t> </a:t>
+            </a:r>
+            <a:r>
+              <a:rPr lang="en-US" sz="2400" dirty="0" smtClean="0"/>
+              <a:t>stands for </a:t>
+            </a:r>
+            <a:r>
+              <a:rPr lang="en-US" sz="2400" dirty="0" smtClean="0"/>
+              <a:t>Elastic </a:t>
+            </a:r>
+            <a:r>
+              <a:rPr lang="en-US" sz="2400" dirty="0" smtClean="0"/>
+              <a:t>Compute </a:t>
+            </a:r>
+            <a:r>
+              <a:rPr lang="en-US" sz="2400" dirty="0" smtClean="0"/>
+              <a:t>Cloud</a:t>
+            </a:r>
+          </a:p>
+          <a:p>
+            <a:endParaRPr lang="en-US" sz="2400" dirty="0" smtClean="0"/>
+          </a:p>
+          <a:p>
+            <a:r>
+              <a:rPr lang="en-US" sz="2400" dirty="0" smtClean="0"/>
+              <a:t>✔ </a:t>
+            </a:r>
+            <a:r>
+              <a:rPr lang="en-US" sz="2400" dirty="0" smtClean="0"/>
+              <a:t>EC2 is most widely used service in AWS cloud</a:t>
+            </a:r>
+            <a:r>
+              <a:rPr lang="en-US" sz="2400" dirty="0" smtClean="0"/>
+              <a:t/>
             </a:r>
             <a:br>
               <a:rPr lang="en-US" sz="2400" dirty="0" smtClean="0"/>
@@ -4900,17 +6047,15 @@
           <a:p>
             <a:r>
               <a:rPr lang="en-US" sz="2400" dirty="0" smtClean="0"/>
-              <a:t>✔ Provide secure compute for your applications. Security is built into the foundation of Amazon EC2 with the </a:t>
-            </a:r>
-            <a:r>
-              <a:rPr lang="en-US" sz="2400" u="sng" dirty="0" smtClean="0">
-                <a:hlinkClick r:id="rId2"/>
-              </a:rPr>
-              <a:t>AWS Nitro System</a:t>
+              <a:t>✔ </a:t>
             </a:r>
             <a:r>
               <a:rPr lang="en-US" sz="2400" dirty="0" smtClean="0"/>
-              <a:t>.</a:t>
+              <a:t>Using EC2 we can launch Virtual Machines in AWS Cloud</a:t>
+            </a:r>
+            <a:r>
+              <a:rPr lang="en-US" sz="2400" dirty="0" smtClean="0"/>
+              <a:t/>
             </a:r>
             <a:br>
               <a:rPr lang="en-US" sz="2400" dirty="0" smtClean="0"/>
@@ -4920,22 +6065,19 @@
           <a:p>
             <a:r>
               <a:rPr lang="en-US" sz="2400" dirty="0" smtClean="0"/>
-              <a:t>✔ Optimize performance and cost with flexible options like AWS </a:t>
-            </a:r>
-            <a:br>
+              <a:t>✔ </a:t>
+            </a:r>
+            <a:r>
               <a:rPr lang="en-US" sz="2400" dirty="0" smtClean="0"/>
-            </a:br>
+              <a:t>We can use EC2 instances under Free Tier</a:t>
+            </a:r>
+          </a:p>
+          <a:p>
             <a:r>
               <a:rPr lang="en-US" sz="2400" dirty="0" smtClean="0"/>
-              <a:t>Graviton-based instances, Amazon EC2 Spot instances, and AWS Savings </a:t>
-            </a:r>
-            <a:br>
-              <a:rPr lang="en-US" sz="2400" dirty="0" smtClean="0"/>
-            </a:br>
-            <a:r>
-              <a:rPr lang="en-US" sz="2400" dirty="0" smtClean="0"/>
-              <a:t>Plans.</a:t>
-            </a:r>
+              <a:t>      (1 year free, monthly 750 hours)</a:t>
+            </a:r>
+            <a:endParaRPr lang="en-US" sz="2400" dirty="0" smtClean="0"/>
           </a:p>
           <a:p>
             <a:pPr algn="just">
@@ -5042,7 +6184,7 @@
           <p:nvPr/>
         </p:nvPicPr>
         <p:blipFill>
-          <a:blip r:embed="rId3" cstate="print"/>
+          <a:blip r:embed="rId2" cstate="print"/>
           <a:srcRect/>
           <a:stretch>
             <a:fillRect/>
@@ -5166,7 +6308,7 @@
                                         <p:tgtEl>
                                           <p:spTgt spid="6">
                                             <p:txEl>
-                                              <p:pRg st="1" end="1"/>
+                                              <p:pRg st="2" end="2"/>
                                             </p:txEl>
                                           </p:spTgt>
                                         </p:tgtEl>
@@ -5184,7 +6326,7 @@
                                         <p:tgtEl>
                                           <p:spTgt spid="6">
                                             <p:txEl>
-                                              <p:pRg st="1" end="1"/>
+                                              <p:pRg st="2" end="2"/>
                                             </p:txEl>
                                           </p:spTgt>
                                         </p:tgtEl>
@@ -5227,7 +6369,7 @@
                                         <p:tgtEl>
                                           <p:spTgt spid="6">
                                             <p:txEl>
-                                              <p:pRg st="2" end="2"/>
+                                              <p:pRg st="3" end="3"/>
                                             </p:txEl>
                                           </p:spTgt>
                                         </p:tgtEl>
@@ -5245,7 +6387,7 @@
                                         <p:tgtEl>
                                           <p:spTgt spid="6">
                                             <p:txEl>
-                                              <p:pRg st="2" end="2"/>
+                                              <p:pRg st="3" end="3"/>
                                             </p:txEl>
                                           </p:spTgt>
                                         </p:tgtEl>
@@ -5288,7 +6430,7 @@
                                         <p:tgtEl>
                                           <p:spTgt spid="6">
                                             <p:txEl>
-                                              <p:pRg st="3" end="3"/>
+                                              <p:pRg st="4" end="4"/>
                                             </p:txEl>
                                           </p:spTgt>
                                         </p:tgtEl>
@@ -5306,7 +6448,68 @@
                                         <p:tgtEl>
                                           <p:spTgt spid="6">
                                             <p:txEl>
-                                              <p:pRg st="3" end="3"/>
+                                              <p:pRg st="4" end="4"/>
+                                            </p:txEl>
+                                          </p:spTgt>
+                                        </p:tgtEl>
+                                      </p:cBhvr>
+                                    </p:animEffect>
+                                  </p:childTnLst>
+                                </p:cTn>
+                              </p:par>
+                            </p:childTnLst>
+                          </p:cTn>
+                        </p:par>
+                      </p:childTnLst>
+                    </p:cTn>
+                  </p:par>
+                  <p:par>
+                    <p:cTn id="23" fill="hold">
+                      <p:stCondLst>
+                        <p:cond delay="indefinite"/>
+                      </p:stCondLst>
+                      <p:childTnLst>
+                        <p:par>
+                          <p:cTn id="24" fill="hold">
+                            <p:stCondLst>
+                              <p:cond delay="0"/>
+                            </p:stCondLst>
+                            <p:childTnLst>
+                              <p:par>
+                                <p:cTn id="25" presetID="10" presetClass="entr" presetSubtype="0" fill="hold" nodeType="clickEffect">
+                                  <p:stCondLst>
+                                    <p:cond delay="0"/>
+                                  </p:stCondLst>
+                                  <p:childTnLst>
+                                    <p:set>
+                                      <p:cBhvr>
+                                        <p:cTn id="26" dur="1" fill="hold">
+                                          <p:stCondLst>
+                                            <p:cond delay="0"/>
+                                          </p:stCondLst>
+                                        </p:cTn>
+                                        <p:tgtEl>
+                                          <p:spTgt spid="6">
+                                            <p:txEl>
+                                              <p:pRg st="5" end="5"/>
+                                            </p:txEl>
+                                          </p:spTgt>
+                                        </p:tgtEl>
+                                        <p:attrNameLst>
+                                          <p:attrName>style.visibility</p:attrName>
+                                        </p:attrNameLst>
+                                      </p:cBhvr>
+                                      <p:to>
+                                        <p:strVal val="visible"/>
+                                      </p:to>
+                                    </p:set>
+                                    <p:animEffect transition="in" filter="fade">
+                                      <p:cBhvr>
+                                        <p:cTn id="27" dur="500"/>
+                                        <p:tgtEl>
+                                          <p:spTgt spid="6">
+                                            <p:txEl>
+                                              <p:pRg st="5" end="5"/>
                                             </p:txEl>
                                           </p:spTgt>
                                         </p:tgtEl>
@@ -5346,7 +6549,562 @@
 </p:sld>
 </file>
 
-<file path=ppt/slides/slide5.xml><?xml version="1.0" encoding="utf-8"?>
+<file path=ppt/slides/slide6.xml><?xml version="1.0" encoding="utf-8"?>
+<p:sld xmlns:a="http://schemas.openxmlformats.org/drawingml/2006/main" xmlns:r="http://schemas.openxmlformats.org/officeDocument/2006/relationships" xmlns:p="http://schemas.openxmlformats.org/presentationml/2006/main">
+  <p:cSld>
+    <p:spTree>
+      <p:nvGrpSpPr>
+        <p:cNvPr id="1" name=""/>
+        <p:cNvGrpSpPr/>
+        <p:nvPr/>
+      </p:nvGrpSpPr>
+      <p:grpSpPr>
+        <a:xfrm>
+          <a:off x="0" y="0"/>
+          <a:ext cx="0" cy="0"/>
+          <a:chOff x="0" y="0"/>
+          <a:chExt cx="0" cy="0"/>
+        </a:xfrm>
+      </p:grpSpPr>
+      <p:sp>
+        <p:nvSpPr>
+          <p:cNvPr id="4" name="TextBox 3">
+            <a:extLst>
+              <a:ext uri="{FF2B5EF4-FFF2-40B4-BE49-F238E27FC236}">
+                <a16:creationId xmlns:a16="http://schemas.microsoft.com/office/drawing/2014/main" xmlns="" id="{ED1E1237-A448-408E-B5D6-D8369236416B}"/>
+              </a:ext>
+            </a:extLst>
+          </p:cNvPr>
+          <p:cNvSpPr txBox="1"/>
+          <p:nvPr/>
+        </p:nvSpPr>
+        <p:spPr>
+          <a:xfrm>
+            <a:off x="1251117" y="533049"/>
+            <a:ext cx="9579006" cy="764055"/>
+          </a:xfrm>
+          <a:prstGeom prst="rect">
+            <a:avLst/>
+          </a:prstGeom>
+          <a:noFill/>
+        </p:spPr>
+        <p:txBody>
+          <a:bodyPr wrap="square">
+            <a:spAutoFit/>
+          </a:bodyPr>
+          <a:lstStyle/>
+          <a:p>
+            <a:pPr algn="ctr">
+              <a:lnSpc>
+                <a:spcPct val="107000"/>
+              </a:lnSpc>
+              <a:spcAft>
+                <a:spcPts val="800"/>
+              </a:spcAft>
+            </a:pPr>
+            <a:r>
+              <a:rPr lang="en-IN" sz="4400" b="1" i="1" u="sng" dirty="0" smtClean="0">
+                <a:solidFill>
+                  <a:srgbClr val="FF0066"/>
+                </a:solidFill>
+                <a:latin typeface="Georgia Pro Cond Black" panose="02040A06050405020203" pitchFamily="18" charset="0"/>
+                <a:ea typeface="Calibri" panose="020F0502020204030204" pitchFamily="34" charset="0"/>
+                <a:cs typeface="Times New Roman" panose="02020603050405020304" pitchFamily="18" charset="0"/>
+              </a:rPr>
+              <a:t>EC2 </a:t>
+            </a:r>
+            <a:r>
+              <a:rPr lang="en-IN" sz="4400" b="1" i="1" u="sng" dirty="0" smtClean="0">
+                <a:solidFill>
+                  <a:srgbClr val="FF0066"/>
+                </a:solidFill>
+                <a:latin typeface="Georgia Pro Cond Black" panose="02040A06050405020203" pitchFamily="18" charset="0"/>
+                <a:ea typeface="Calibri" panose="020F0502020204030204" pitchFamily="34" charset="0"/>
+                <a:cs typeface="Times New Roman" panose="02020603050405020304" pitchFamily="18" charset="0"/>
+              </a:rPr>
+              <a:t>Instance Creation</a:t>
+            </a:r>
+            <a:endParaRPr lang="en-IN" sz="4400" b="1" i="1" u="sng" dirty="0">
+              <a:solidFill>
+                <a:srgbClr val="FF0066"/>
+              </a:solidFill>
+              <a:effectLst/>
+              <a:latin typeface="Georgia Pro Cond Black" panose="02040A06050405020203" pitchFamily="18" charset="0"/>
+              <a:ea typeface="Calibri" panose="020F0502020204030204" pitchFamily="34" charset="0"/>
+              <a:cs typeface="Times New Roman" panose="02020603050405020304" pitchFamily="18" charset="0"/>
+            </a:endParaRPr>
+          </a:p>
+        </p:txBody>
+      </p:sp>
+      <p:pic>
+        <p:nvPicPr>
+          <p:cNvPr id="1026" name="Picture 2"/>
+          <p:cNvPicPr>
+            <a:picLocks noChangeAspect="1" noChangeArrowheads="1"/>
+          </p:cNvPicPr>
+          <p:nvPr/>
+        </p:nvPicPr>
+        <p:blipFill>
+          <a:blip r:embed="rId2" cstate="print"/>
+          <a:srcRect/>
+          <a:stretch>
+            <a:fillRect/>
+          </a:stretch>
+        </p:blipFill>
+        <p:spPr bwMode="auto">
+          <a:xfrm>
+            <a:off x="1087074" y="1781992"/>
+            <a:ext cx="9945869" cy="4187734"/>
+          </a:xfrm>
+          <a:prstGeom prst="rect">
+            <a:avLst/>
+          </a:prstGeom>
+          <a:noFill/>
+          <a:ln w="9525">
+            <a:noFill/>
+            <a:miter lim="800000"/>
+            <a:headEnd/>
+            <a:tailEnd/>
+          </a:ln>
+        </p:spPr>
+      </p:pic>
+    </p:spTree>
+  </p:cSld>
+  <p:clrMapOvr>
+    <a:masterClrMapping/>
+  </p:clrMapOvr>
+  <p:timing>
+    <p:tnLst>
+      <p:par>
+        <p:cTn id="1" dur="indefinite" restart="never" nodeType="tmRoot"/>
+      </p:par>
+    </p:tnLst>
+  </p:timing>
+</p:sld>
+</file>
+
+<file path=ppt/slides/slide7.xml><?xml version="1.0" encoding="utf-8"?>
+<p:sld xmlns:a="http://schemas.openxmlformats.org/drawingml/2006/main" xmlns:r="http://schemas.openxmlformats.org/officeDocument/2006/relationships" xmlns:p="http://schemas.openxmlformats.org/presentationml/2006/main">
+  <p:cSld>
+    <p:spTree>
+      <p:nvGrpSpPr>
+        <p:cNvPr id="1" name=""/>
+        <p:cNvGrpSpPr/>
+        <p:nvPr/>
+      </p:nvGrpSpPr>
+      <p:grpSpPr>
+        <a:xfrm>
+          <a:off x="0" y="0"/>
+          <a:ext cx="0" cy="0"/>
+          <a:chOff x="0" y="0"/>
+          <a:chExt cx="0" cy="0"/>
+        </a:xfrm>
+      </p:grpSpPr>
+      <p:sp>
+        <p:nvSpPr>
+          <p:cNvPr id="4" name="TextBox 3">
+            <a:extLst>
+              <a:ext uri="{FF2B5EF4-FFF2-40B4-BE49-F238E27FC236}">
+                <a16:creationId xmlns:a16="http://schemas.microsoft.com/office/drawing/2014/main" xmlns="" id="{4FE09D13-9B65-4D5F-AD52-4D391F0966F6}"/>
+              </a:ext>
+            </a:extLst>
+          </p:cNvPr>
+          <p:cNvSpPr txBox="1"/>
+          <p:nvPr/>
+        </p:nvSpPr>
+        <p:spPr>
+          <a:xfrm>
+            <a:off x="877388" y="1681152"/>
+            <a:ext cx="10515599" cy="2703497"/>
+          </a:xfrm>
+          <a:prstGeom prst="rect">
+            <a:avLst/>
+          </a:prstGeom>
+          <a:noFill/>
+        </p:spPr>
+        <p:txBody>
+          <a:bodyPr wrap="square">
+            <a:spAutoFit/>
+          </a:bodyPr>
+          <a:lstStyle/>
+          <a:p>
+            <a:r>
+              <a:rPr lang="en-US" sz="2400" dirty="0" smtClean="0"/>
+              <a:t>✔ </a:t>
+            </a:r>
+            <a:r>
+              <a:rPr lang="en-US" sz="2400" dirty="0" smtClean="0"/>
+              <a:t>PEM (Privacy Enhanced Mail) is a base64 container format for encoding keys and certificates</a:t>
+            </a:r>
+            <a:endParaRPr lang="en-US" sz="2400" dirty="0" smtClean="0"/>
+          </a:p>
+          <a:p>
+            <a:endParaRPr lang="en-US" sz="2400" dirty="0" smtClean="0"/>
+          </a:p>
+          <a:p>
+            <a:r>
+              <a:rPr lang="en-US" sz="2400" dirty="0" smtClean="0"/>
+              <a:t>✔ </a:t>
+            </a:r>
+            <a:r>
+              <a:rPr lang="en-US" sz="2400" dirty="0" smtClean="0"/>
+              <a:t>PPK(Putty Private Key) is a Windows </a:t>
+            </a:r>
+            <a:r>
+              <a:rPr lang="en-US" sz="2400" dirty="0" err="1" smtClean="0"/>
+              <a:t>ssh</a:t>
+            </a:r>
+            <a:r>
+              <a:rPr lang="en-US" sz="2400" dirty="0" smtClean="0"/>
+              <a:t> client. We have to convert .</a:t>
+            </a:r>
+            <a:r>
+              <a:rPr lang="en-US" sz="2400" dirty="0" err="1" smtClean="0"/>
+              <a:t>pem</a:t>
+            </a:r>
+            <a:r>
+              <a:rPr lang="en-US" sz="2400" dirty="0" smtClean="0"/>
+              <a:t> to .</a:t>
+            </a:r>
+            <a:r>
+              <a:rPr lang="en-US" sz="2400" dirty="0" err="1" smtClean="0"/>
+              <a:t>ppk</a:t>
+            </a:r>
+            <a:r>
+              <a:rPr lang="en-US" sz="2400" dirty="0" smtClean="0"/>
+              <a:t> format using </a:t>
+            </a:r>
+            <a:r>
+              <a:rPr lang="en-US" sz="2400" dirty="0" err="1" smtClean="0"/>
+              <a:t>puTTy</a:t>
+            </a:r>
+            <a:r>
+              <a:rPr lang="en-US" sz="2400" dirty="0" smtClean="0"/>
+              <a:t> Gen.</a:t>
+            </a:r>
+            <a:r>
+              <a:rPr lang="en-US" sz="2400" dirty="0" smtClean="0"/>
+              <a:t/>
+            </a:r>
+            <a:br>
+              <a:rPr lang="en-US" sz="2400" dirty="0" smtClean="0"/>
+            </a:br>
+            <a:endParaRPr lang="en-US" sz="2400" dirty="0" smtClean="0"/>
+          </a:p>
+          <a:p>
+            <a:pPr algn="just">
+              <a:lnSpc>
+                <a:spcPct val="107000"/>
+              </a:lnSpc>
+              <a:spcAft>
+                <a:spcPts val="800"/>
+              </a:spcAft>
+            </a:pPr>
+            <a:endParaRPr lang="en-IN" sz="2400" b="1" dirty="0">
+              <a:effectLst/>
+              <a:latin typeface="Calisto MT" panose="02040603050505030304" pitchFamily="18" charset="0"/>
+              <a:ea typeface="Calibri" panose="020F0502020204030204" pitchFamily="34" charset="0"/>
+              <a:cs typeface="Times New Roman" panose="02020603050405020304" pitchFamily="18" charset="0"/>
+            </a:endParaRPr>
+          </a:p>
+        </p:txBody>
+      </p:sp>
+      <p:sp>
+        <p:nvSpPr>
+          <p:cNvPr id="8" name="TextBox 7">
+            <a:extLst>
+              <a:ext uri="{FF2B5EF4-FFF2-40B4-BE49-F238E27FC236}">
+                <a16:creationId xmlns:a16="http://schemas.microsoft.com/office/drawing/2014/main" xmlns="" id="{ED1E1237-A448-408E-B5D6-D8369236416B}"/>
+              </a:ext>
+            </a:extLst>
+          </p:cNvPr>
+          <p:cNvSpPr txBox="1"/>
+          <p:nvPr/>
+        </p:nvSpPr>
+        <p:spPr>
+          <a:xfrm>
+            <a:off x="1251117" y="533049"/>
+            <a:ext cx="9579006" cy="764055"/>
+          </a:xfrm>
+          <a:prstGeom prst="rect">
+            <a:avLst/>
+          </a:prstGeom>
+          <a:noFill/>
+        </p:spPr>
+        <p:txBody>
+          <a:bodyPr wrap="square">
+            <a:spAutoFit/>
+          </a:bodyPr>
+          <a:lstStyle/>
+          <a:p>
+            <a:pPr algn="ctr">
+              <a:lnSpc>
+                <a:spcPct val="107000"/>
+              </a:lnSpc>
+              <a:spcAft>
+                <a:spcPts val="800"/>
+              </a:spcAft>
+            </a:pPr>
+            <a:r>
+              <a:rPr lang="en-IN" sz="4400" b="1" i="1" u="sng" dirty="0" smtClean="0">
+                <a:solidFill>
+                  <a:srgbClr val="FF0066"/>
+                </a:solidFill>
+                <a:latin typeface="Georgia Pro Cond Black" panose="02040A06050405020203" pitchFamily="18" charset="0"/>
+                <a:ea typeface="Calibri" panose="020F0502020204030204" pitchFamily="34" charset="0"/>
+                <a:cs typeface="Times New Roman" panose="02020603050405020304" pitchFamily="18" charset="0"/>
+              </a:rPr>
+              <a:t>Convert .</a:t>
+            </a:r>
+            <a:r>
+              <a:rPr lang="en-IN" sz="4400" b="1" i="1" u="sng" dirty="0" err="1" smtClean="0">
+                <a:solidFill>
+                  <a:srgbClr val="FF0066"/>
+                </a:solidFill>
+                <a:latin typeface="Georgia Pro Cond Black" panose="02040A06050405020203" pitchFamily="18" charset="0"/>
+                <a:ea typeface="Calibri" panose="020F0502020204030204" pitchFamily="34" charset="0"/>
+                <a:cs typeface="Times New Roman" panose="02020603050405020304" pitchFamily="18" charset="0"/>
+              </a:rPr>
+              <a:t>pem</a:t>
+            </a:r>
+            <a:r>
+              <a:rPr lang="en-IN" sz="4400" b="1" i="1" u="sng" dirty="0" smtClean="0">
+                <a:solidFill>
+                  <a:srgbClr val="FF0066"/>
+                </a:solidFill>
+                <a:latin typeface="Georgia Pro Cond Black" panose="02040A06050405020203" pitchFamily="18" charset="0"/>
+                <a:ea typeface="Calibri" panose="020F0502020204030204" pitchFamily="34" charset="0"/>
+                <a:cs typeface="Times New Roman" panose="02020603050405020304" pitchFamily="18" charset="0"/>
+              </a:rPr>
+              <a:t> file to .</a:t>
+            </a:r>
+            <a:r>
+              <a:rPr lang="en-IN" sz="4400" b="1" i="1" u="sng" dirty="0" err="1" smtClean="0">
+                <a:solidFill>
+                  <a:srgbClr val="FF0066"/>
+                </a:solidFill>
+                <a:latin typeface="Georgia Pro Cond Black" panose="02040A06050405020203" pitchFamily="18" charset="0"/>
+                <a:ea typeface="Calibri" panose="020F0502020204030204" pitchFamily="34" charset="0"/>
+                <a:cs typeface="Times New Roman" panose="02020603050405020304" pitchFamily="18" charset="0"/>
+              </a:rPr>
+              <a:t>ppk</a:t>
+            </a:r>
+            <a:r>
+              <a:rPr lang="en-IN" sz="4400" b="1" i="1" u="sng" dirty="0" smtClean="0">
+                <a:solidFill>
+                  <a:srgbClr val="FF0066"/>
+                </a:solidFill>
+                <a:latin typeface="Georgia Pro Cond Black" panose="02040A06050405020203" pitchFamily="18" charset="0"/>
+                <a:ea typeface="Calibri" panose="020F0502020204030204" pitchFamily="34" charset="0"/>
+                <a:cs typeface="Times New Roman" panose="02020603050405020304" pitchFamily="18" charset="0"/>
+              </a:rPr>
+              <a:t> file</a:t>
+            </a:r>
+            <a:endParaRPr lang="en-IN" sz="4400" b="1" i="1" u="sng" dirty="0">
+              <a:solidFill>
+                <a:srgbClr val="FF0066"/>
+              </a:solidFill>
+              <a:effectLst/>
+              <a:latin typeface="Georgia Pro Cond Black" panose="02040A06050405020203" pitchFamily="18" charset="0"/>
+              <a:ea typeface="Calibri" panose="020F0502020204030204" pitchFamily="34" charset="0"/>
+              <a:cs typeface="Times New Roman" panose="02020603050405020304" pitchFamily="18" charset="0"/>
+            </a:endParaRPr>
+          </a:p>
+        </p:txBody>
+      </p:sp>
+      <p:pic>
+        <p:nvPicPr>
+          <p:cNvPr id="2050" name="Picture 2"/>
+          <p:cNvPicPr>
+            <a:picLocks noChangeAspect="1" noChangeArrowheads="1"/>
+          </p:cNvPicPr>
+          <p:nvPr/>
+        </p:nvPicPr>
+        <p:blipFill>
+          <a:blip r:embed="rId2" cstate="print"/>
+          <a:srcRect/>
+          <a:stretch>
+            <a:fillRect/>
+          </a:stretch>
+        </p:blipFill>
+        <p:spPr bwMode="auto">
+          <a:xfrm>
+            <a:off x="3311027" y="4158886"/>
+            <a:ext cx="6031144" cy="1601833"/>
+          </a:xfrm>
+          <a:prstGeom prst="rect">
+            <a:avLst/>
+          </a:prstGeom>
+          <a:noFill/>
+          <a:ln w="9525">
+            <a:noFill/>
+            <a:miter lim="800000"/>
+            <a:headEnd/>
+            <a:tailEnd/>
+          </a:ln>
+        </p:spPr>
+      </p:pic>
+    </p:spTree>
+  </p:cSld>
+  <p:clrMapOvr>
+    <a:masterClrMapping/>
+  </p:clrMapOvr>
+  <p:timing>
+    <p:tnLst>
+      <p:par>
+        <p:cTn id="1" dur="indefinite" restart="never" nodeType="tmRoot">
+          <p:childTnLst>
+            <p:seq concurrent="1" nextAc="seek">
+              <p:cTn id="2" dur="indefinite" nodeType="mainSeq">
+                <p:childTnLst>
+                  <p:par>
+                    <p:cTn id="3" fill="hold">
+                      <p:stCondLst>
+                        <p:cond delay="indefinite"/>
+                      </p:stCondLst>
+                      <p:childTnLst>
+                        <p:par>
+                          <p:cTn id="4" fill="hold">
+                            <p:stCondLst>
+                              <p:cond delay="0"/>
+                            </p:stCondLst>
+                            <p:childTnLst>
+                              <p:par>
+                                <p:cTn id="5" presetID="10" presetClass="entr" presetSubtype="0" fill="hold" nodeType="clickEffect">
+                                  <p:stCondLst>
+                                    <p:cond delay="0"/>
+                                  </p:stCondLst>
+                                  <p:childTnLst>
+                                    <p:set>
+                                      <p:cBhvr>
+                                        <p:cTn id="6" dur="1" fill="hold">
+                                          <p:stCondLst>
+                                            <p:cond delay="0"/>
+                                          </p:stCondLst>
+                                        </p:cTn>
+                                        <p:tgtEl>
+                                          <p:spTgt spid="4">
+                                            <p:txEl>
+                                              <p:pRg st="0" end="0"/>
+                                            </p:txEl>
+                                          </p:spTgt>
+                                        </p:tgtEl>
+                                        <p:attrNameLst>
+                                          <p:attrName>style.visibility</p:attrName>
+                                        </p:attrNameLst>
+                                      </p:cBhvr>
+                                      <p:to>
+                                        <p:strVal val="visible"/>
+                                      </p:to>
+                                    </p:set>
+                                    <p:animEffect transition="in" filter="fade">
+                                      <p:cBhvr>
+                                        <p:cTn id="7" dur="500"/>
+                                        <p:tgtEl>
+                                          <p:spTgt spid="4">
+                                            <p:txEl>
+                                              <p:pRg st="0" end="0"/>
+                                            </p:txEl>
+                                          </p:spTgt>
+                                        </p:tgtEl>
+                                      </p:cBhvr>
+                                    </p:animEffect>
+                                  </p:childTnLst>
+                                </p:cTn>
+                              </p:par>
+                            </p:childTnLst>
+                          </p:cTn>
+                        </p:par>
+                      </p:childTnLst>
+                    </p:cTn>
+                  </p:par>
+                  <p:par>
+                    <p:cTn id="8" fill="hold">
+                      <p:stCondLst>
+                        <p:cond delay="indefinite"/>
+                      </p:stCondLst>
+                      <p:childTnLst>
+                        <p:par>
+                          <p:cTn id="9" fill="hold">
+                            <p:stCondLst>
+                              <p:cond delay="0"/>
+                            </p:stCondLst>
+                            <p:childTnLst>
+                              <p:par>
+                                <p:cTn id="10" presetID="10" presetClass="entr" presetSubtype="0" fill="hold" nodeType="clickEffect">
+                                  <p:stCondLst>
+                                    <p:cond delay="0"/>
+                                  </p:stCondLst>
+                                  <p:childTnLst>
+                                    <p:set>
+                                      <p:cBhvr>
+                                        <p:cTn id="11" dur="1" fill="hold">
+                                          <p:stCondLst>
+                                            <p:cond delay="0"/>
+                                          </p:stCondLst>
+                                        </p:cTn>
+                                        <p:tgtEl>
+                                          <p:spTgt spid="4">
+                                            <p:txEl>
+                                              <p:pRg st="2" end="2"/>
+                                            </p:txEl>
+                                          </p:spTgt>
+                                        </p:tgtEl>
+                                        <p:attrNameLst>
+                                          <p:attrName>style.visibility</p:attrName>
+                                        </p:attrNameLst>
+                                      </p:cBhvr>
+                                      <p:to>
+                                        <p:strVal val="visible"/>
+                                      </p:to>
+                                    </p:set>
+                                    <p:animEffect transition="in" filter="fade">
+                                      <p:cBhvr>
+                                        <p:cTn id="12" dur="500"/>
+                                        <p:tgtEl>
+                                          <p:spTgt spid="4">
+                                            <p:txEl>
+                                              <p:pRg st="2" end="2"/>
+                                            </p:txEl>
+                                          </p:spTgt>
+                                        </p:tgtEl>
+                                      </p:cBhvr>
+                                    </p:animEffect>
+                                  </p:childTnLst>
+                                </p:cTn>
+                              </p:par>
+                            </p:childTnLst>
+                          </p:cTn>
+                        </p:par>
+                      </p:childTnLst>
+                    </p:cTn>
+                  </p:par>
+                </p:childTnLst>
+              </p:cTn>
+              <p:prevCondLst>
+                <p:cond evt="onPrev" delay="0">
+                  <p:tgtEl>
+                    <p:sldTgt/>
+                  </p:tgtEl>
+                </p:cond>
+              </p:prevCondLst>
+              <p:nextCondLst>
+                <p:cond evt="onNext" delay="0">
+                  <p:tgtEl>
+                    <p:sldTgt/>
+                  </p:tgtEl>
+                </p:cond>
+              </p:nextCondLst>
+            </p:seq>
+          </p:childTnLst>
+        </p:cTn>
+      </p:par>
+    </p:tnLst>
+  </p:timing>
+</p:sld>
+</file>
+
+<file path=ppt/slides/slide8.xml><?xml version="1.0" encoding="utf-8"?>
 <p:sld xmlns:a="http://schemas.openxmlformats.org/drawingml/2006/main" xmlns:r="http://schemas.openxmlformats.org/officeDocument/2006/relationships" xmlns:p="http://schemas.openxmlformats.org/presentationml/2006/main">
   <p:cSld>
     <p:spTree>
@@ -6062,7 +7820,7 @@
 </p:sld>
 </file>
 
-<file path=ppt/slides/slide6.xml><?xml version="1.0" encoding="utf-8"?>
+<file path=ppt/slides/slide9.xml><?xml version="1.0" encoding="utf-8"?>
 <p:sld xmlns:a="http://schemas.openxmlformats.org/drawingml/2006/main" xmlns:r="http://schemas.openxmlformats.org/officeDocument/2006/relationships" xmlns:p="http://schemas.openxmlformats.org/presentationml/2006/main">
   <p:cSld>
     <p:spTree>
@@ -6305,539 +8063,6 @@
       </p:par>
     </p:tnLst>
   </p:timing>
-</p:sld>
-</file>
-
-<file path=ppt/slides/slide7.xml><?xml version="1.0" encoding="utf-8"?>
-<p:sld xmlns:a="http://schemas.openxmlformats.org/drawingml/2006/main" xmlns:r="http://schemas.openxmlformats.org/officeDocument/2006/relationships" xmlns:p="http://schemas.openxmlformats.org/presentationml/2006/main">
-  <p:cSld>
-    <p:spTree>
-      <p:nvGrpSpPr>
-        <p:cNvPr id="1" name=""/>
-        <p:cNvGrpSpPr/>
-        <p:nvPr/>
-      </p:nvGrpSpPr>
-      <p:grpSpPr>
-        <a:xfrm>
-          <a:off x="0" y="0"/>
-          <a:ext cx="0" cy="0"/>
-          <a:chOff x="0" y="0"/>
-          <a:chExt cx="0" cy="0"/>
-        </a:xfrm>
-      </p:grpSpPr>
-      <p:sp>
-        <p:nvSpPr>
-          <p:cNvPr id="6" name="TextBox 5">
-            <a:extLst>
-              <a:ext uri="{FF2B5EF4-FFF2-40B4-BE49-F238E27FC236}">
-                <a16:creationId xmlns:a16="http://schemas.microsoft.com/office/drawing/2014/main" xmlns="" id="{ED1E1237-A448-408E-B5D6-D8369236416B}"/>
-              </a:ext>
-            </a:extLst>
-          </p:cNvPr>
-          <p:cNvSpPr txBox="1"/>
-          <p:nvPr/>
-        </p:nvSpPr>
-        <p:spPr>
-          <a:xfrm>
-            <a:off x="1251117" y="533049"/>
-            <a:ext cx="9579006" cy="764055"/>
-          </a:xfrm>
-          <a:prstGeom prst="rect">
-            <a:avLst/>
-          </a:prstGeom>
-          <a:noFill/>
-        </p:spPr>
-        <p:txBody>
-          <a:bodyPr wrap="square">
-            <a:spAutoFit/>
-          </a:bodyPr>
-          <a:lstStyle/>
-          <a:p>
-            <a:pPr algn="ctr">
-              <a:lnSpc>
-                <a:spcPct val="107000"/>
-              </a:lnSpc>
-              <a:spcAft>
-                <a:spcPts val="800"/>
-              </a:spcAft>
-            </a:pPr>
-            <a:r>
-              <a:rPr lang="en-IN" sz="4400" b="1" i="1" u="sng" dirty="0" smtClean="0">
-                <a:solidFill>
-                  <a:srgbClr val="FF0066"/>
-                </a:solidFill>
-                <a:latin typeface="Georgia Pro Cond Black" panose="02040A06050405020203" pitchFamily="18" charset="0"/>
-                <a:ea typeface="Calibri" panose="020F0502020204030204" pitchFamily="34" charset="0"/>
-                <a:cs typeface="Times New Roman" panose="02020603050405020304" pitchFamily="18" charset="0"/>
-              </a:rPr>
-              <a:t>Security Groups</a:t>
-            </a:r>
-            <a:endParaRPr lang="en-IN" sz="4400" b="1" i="1" u="sng" dirty="0">
-              <a:solidFill>
-                <a:srgbClr val="FF0066"/>
-              </a:solidFill>
-              <a:effectLst/>
-              <a:latin typeface="Georgia Pro Cond Black" panose="02040A06050405020203" pitchFamily="18" charset="0"/>
-              <a:ea typeface="Calibri" panose="020F0502020204030204" pitchFamily="34" charset="0"/>
-              <a:cs typeface="Times New Roman" panose="02020603050405020304" pitchFamily="18" charset="0"/>
-            </a:endParaRPr>
-          </a:p>
-        </p:txBody>
-      </p:sp>
-      <p:sp>
-        <p:nvSpPr>
-          <p:cNvPr id="8" name="TextBox 7">
-            <a:extLst>
-              <a:ext uri="{FF2B5EF4-FFF2-40B4-BE49-F238E27FC236}">
-                <a16:creationId xmlns:a16="http://schemas.microsoft.com/office/drawing/2014/main" xmlns="" id="{949EF0AF-964C-4D82-BF5B-311F6AF6801A}"/>
-              </a:ext>
-            </a:extLst>
-          </p:cNvPr>
-          <p:cNvSpPr txBox="1"/>
-          <p:nvPr/>
-        </p:nvSpPr>
-        <p:spPr>
-          <a:xfrm>
-            <a:off x="838200" y="1632857"/>
-            <a:ext cx="10515600" cy="2035301"/>
-          </a:xfrm>
-          <a:prstGeom prst="rect">
-            <a:avLst/>
-          </a:prstGeom>
-          <a:noFill/>
-        </p:spPr>
-        <p:txBody>
-          <a:bodyPr wrap="square">
-            <a:spAutoFit/>
-          </a:bodyPr>
-          <a:lstStyle/>
-          <a:p>
-            <a:pPr>
-              <a:lnSpc>
-                <a:spcPct val="107000"/>
-              </a:lnSpc>
-              <a:spcAft>
-                <a:spcPts val="800"/>
-              </a:spcAft>
-              <a:buFont typeface="Arial" pitchFamily="34" charset="0"/>
-              <a:buChar char="•"/>
-            </a:pPr>
-            <a:r>
-              <a:rPr lang="en-IN" sz="2400" dirty="0" smtClean="0"/>
-              <a:t> </a:t>
-            </a:r>
-            <a:r>
-              <a:rPr lang="en-US" sz="2400" dirty="0" smtClean="0"/>
-              <a:t>A security group controls the traffic that is allowed to reach and leave the resources that it is associated with. For example, after you associate a security group with an EC2 instance, it controls the inbound and outbound traffic for the instance. </a:t>
-            </a:r>
-            <a:r>
-              <a:rPr lang="en-IN" sz="2200" dirty="0" smtClean="0">
-                <a:solidFill>
-                  <a:srgbClr val="000000"/>
-                </a:solidFill>
-                <a:effectLst/>
-                <a:latin typeface="Cambria" panose="02040503050406030204" pitchFamily="18" charset="0"/>
-                <a:ea typeface="Cambria" panose="02040503050406030204" pitchFamily="18" charset="0"/>
-                <a:cs typeface="Times New Roman" panose="02020603050405020304" pitchFamily="18" charset="0"/>
-              </a:rPr>
-              <a:t/>
-            </a:r>
-            <a:br>
-              <a:rPr lang="en-IN" sz="2200" dirty="0" smtClean="0">
-                <a:solidFill>
-                  <a:srgbClr val="000000"/>
-                </a:solidFill>
-                <a:effectLst/>
-                <a:latin typeface="Cambria" panose="02040503050406030204" pitchFamily="18" charset="0"/>
-                <a:ea typeface="Cambria" panose="02040503050406030204" pitchFamily="18" charset="0"/>
-                <a:cs typeface="Times New Roman" panose="02020603050405020304" pitchFamily="18" charset="0"/>
-              </a:rPr>
-            </a:br>
-            <a:endParaRPr lang="en-IN" sz="2200" dirty="0">
-              <a:solidFill>
-                <a:srgbClr val="000000"/>
-              </a:solidFill>
-              <a:effectLst/>
-              <a:latin typeface="Cambria" panose="02040503050406030204" pitchFamily="18" charset="0"/>
-              <a:ea typeface="Cambria" panose="02040503050406030204" pitchFamily="18" charset="0"/>
-              <a:cs typeface="Times New Roman" panose="02020603050405020304" pitchFamily="18" charset="0"/>
-            </a:endParaRPr>
-          </a:p>
-        </p:txBody>
-      </p:sp>
-      <p:pic>
-        <p:nvPicPr>
-          <p:cNvPr id="4" name="Picture 3" descr="AWS_Security_Groups.png"/>
-          <p:cNvPicPr>
-            <a:picLocks noChangeAspect="1"/>
-          </p:cNvPicPr>
-          <p:nvPr/>
-        </p:nvPicPr>
-        <p:blipFill>
-          <a:blip r:embed="rId2" cstate="print"/>
-          <a:stretch>
-            <a:fillRect/>
-          </a:stretch>
-        </p:blipFill>
-        <p:spPr>
-          <a:xfrm>
-            <a:off x="3344091" y="3000973"/>
-            <a:ext cx="6470468" cy="3558757"/>
-          </a:xfrm>
-          <a:prstGeom prst="rect">
-            <a:avLst/>
-          </a:prstGeom>
-        </p:spPr>
-      </p:pic>
-    </p:spTree>
-    <p:extLst>
-      <p:ext uri="{BB962C8B-B14F-4D97-AF65-F5344CB8AC3E}">
-        <p14:creationId xmlns:p14="http://schemas.microsoft.com/office/powerpoint/2010/main" xmlns="" val="446407478"/>
-      </p:ext>
-    </p:extLst>
-  </p:cSld>
-  <p:clrMapOvr>
-    <a:masterClrMapping/>
-  </p:clrMapOvr>
-  <p:timing>
-    <p:tnLst>
-      <p:par>
-        <p:cTn id="1" dur="indefinite" restart="never" nodeType="tmRoot">
-          <p:childTnLst>
-            <p:seq concurrent="1" nextAc="seek">
-              <p:cTn id="2" dur="indefinite" nodeType="mainSeq">
-                <p:childTnLst>
-                  <p:par>
-                    <p:cTn id="3" fill="hold">
-                      <p:stCondLst>
-                        <p:cond delay="indefinite"/>
-                      </p:stCondLst>
-                      <p:childTnLst>
-                        <p:par>
-                          <p:cTn id="4" fill="hold">
-                            <p:stCondLst>
-                              <p:cond delay="0"/>
-                            </p:stCondLst>
-                            <p:childTnLst>
-                              <p:par>
-                                <p:cTn id="5" presetID="1" presetClass="entr" presetSubtype="0" fill="hold" nodeType="clickEffect">
-                                  <p:stCondLst>
-                                    <p:cond delay="0"/>
-                                  </p:stCondLst>
-                                  <p:childTnLst>
-                                    <p:set>
-                                      <p:cBhvr>
-                                        <p:cTn id="6" dur="1" fill="hold">
-                                          <p:stCondLst>
-                                            <p:cond delay="0"/>
-                                          </p:stCondLst>
-                                        </p:cTn>
-                                        <p:tgtEl>
-                                          <p:spTgt spid="8">
-                                            <p:txEl>
-                                              <p:pRg st="0" end="0"/>
-                                            </p:txEl>
-                                          </p:spTgt>
-                                        </p:tgtEl>
-                                        <p:attrNameLst>
-                                          <p:attrName>style.visibility</p:attrName>
-                                        </p:attrNameLst>
-                                      </p:cBhvr>
-                                      <p:to>
-                                        <p:strVal val="visible"/>
-                                      </p:to>
-                                    </p:set>
-                                  </p:childTnLst>
-                                </p:cTn>
-                              </p:par>
-                            </p:childTnLst>
-                          </p:cTn>
-                        </p:par>
-                      </p:childTnLst>
-                    </p:cTn>
-                  </p:par>
-                </p:childTnLst>
-              </p:cTn>
-              <p:prevCondLst>
-                <p:cond evt="onPrev" delay="0">
-                  <p:tgtEl>
-                    <p:sldTgt/>
-                  </p:tgtEl>
-                </p:cond>
-              </p:prevCondLst>
-              <p:nextCondLst>
-                <p:cond evt="onNext" delay="0">
-                  <p:tgtEl>
-                    <p:sldTgt/>
-                  </p:tgtEl>
-                </p:cond>
-              </p:nextCondLst>
-            </p:seq>
-          </p:childTnLst>
-        </p:cTn>
-      </p:par>
-    </p:tnLst>
-  </p:timing>
-</p:sld>
-</file>
-
-<file path=ppt/slides/slide8.xml><?xml version="1.0" encoding="utf-8"?>
-<p:sld xmlns:a="http://schemas.openxmlformats.org/drawingml/2006/main" xmlns:r="http://schemas.openxmlformats.org/officeDocument/2006/relationships" xmlns:p="http://schemas.openxmlformats.org/presentationml/2006/main">
-  <p:cSld>
-    <p:spTree>
-      <p:nvGrpSpPr>
-        <p:cNvPr id="1" name=""/>
-        <p:cNvGrpSpPr/>
-        <p:nvPr/>
-      </p:nvGrpSpPr>
-      <p:grpSpPr>
-        <a:xfrm>
-          <a:off x="0" y="0"/>
-          <a:ext cx="0" cy="0"/>
-          <a:chOff x="0" y="0"/>
-          <a:chExt cx="0" cy="0"/>
-        </a:xfrm>
-      </p:grpSpPr>
-      <p:sp>
-        <p:nvSpPr>
-          <p:cNvPr id="2" name="Title 1"/>
-          <p:cNvSpPr>
-            <a:spLocks noGrp="1"/>
-          </p:cNvSpPr>
-          <p:nvPr>
-            <p:ph type="title"/>
-          </p:nvPr>
-        </p:nvSpPr>
-        <p:spPr>
-          <a:xfrm>
-            <a:off x="838200" y="156754"/>
-            <a:ext cx="10515600" cy="744584"/>
-          </a:xfrm>
-        </p:spPr>
-        <p:txBody>
-          <a:bodyPr>
-            <a:normAutofit fontScale="90000"/>
-          </a:bodyPr>
-          <a:lstStyle/>
-          <a:p>
-            <a:pPr algn="ctr"/>
-            <a:r>
-              <a:rPr lang="en-IN" b="1" dirty="0" smtClean="0">
-                <a:solidFill>
-                  <a:schemeClr val="accent2"/>
-                </a:solidFill>
-                <a:latin typeface="Georgia Pro Cond Black" panose="02040A06050405020203" pitchFamily="18" charset="0"/>
-                <a:ea typeface="Times New Roman" panose="02020603050405020304" pitchFamily="18" charset="0"/>
-                <a:cs typeface="Times New Roman" panose="02020603050405020304" pitchFamily="18" charset="0"/>
-              </a:rPr>
-              <a:t/>
-            </a:r>
-            <a:br>
-              <a:rPr lang="en-IN" b="1" dirty="0" smtClean="0">
-                <a:solidFill>
-                  <a:schemeClr val="accent2"/>
-                </a:solidFill>
-                <a:latin typeface="Georgia Pro Cond Black" panose="02040A06050405020203" pitchFamily="18" charset="0"/>
-                <a:ea typeface="Times New Roman" panose="02020603050405020304" pitchFamily="18" charset="0"/>
-                <a:cs typeface="Times New Roman" panose="02020603050405020304" pitchFamily="18" charset="0"/>
-              </a:rPr>
-            </a:br>
-            <a:r>
-              <a:rPr lang="en-IN" b="1" dirty="0" err="1" smtClean="0">
-                <a:solidFill>
-                  <a:schemeClr val="accent2"/>
-                </a:solidFill>
-                <a:latin typeface="Georgia Pro Cond Black" panose="02040A06050405020203" pitchFamily="18" charset="0"/>
-                <a:ea typeface="Times New Roman" panose="02020603050405020304" pitchFamily="18" charset="0"/>
-                <a:cs typeface="Times New Roman" panose="02020603050405020304" pitchFamily="18" charset="0"/>
-              </a:rPr>
-              <a:t>CloudFront</a:t>
-            </a:r>
-            <a:r>
-              <a:rPr lang="en-IN" b="1" u="sng" dirty="0" smtClean="0">
-                <a:solidFill>
-                  <a:schemeClr val="accent2"/>
-                </a:solidFill>
-                <a:latin typeface="Georgia Pro Cond Black" panose="02040A06050405020203" pitchFamily="18" charset="0"/>
-                <a:ea typeface="Times New Roman" panose="02020603050405020304" pitchFamily="18" charset="0"/>
-                <a:cs typeface="Times New Roman" panose="02020603050405020304" pitchFamily="18" charset="0"/>
-              </a:rPr>
-              <a:t/>
-            </a:r>
-            <a:br>
-              <a:rPr lang="en-IN" b="1" u="sng" dirty="0" smtClean="0">
-                <a:solidFill>
-                  <a:schemeClr val="accent2"/>
-                </a:solidFill>
-                <a:latin typeface="Georgia Pro Cond Black" panose="02040A06050405020203" pitchFamily="18" charset="0"/>
-                <a:ea typeface="Times New Roman" panose="02020603050405020304" pitchFamily="18" charset="0"/>
-                <a:cs typeface="Times New Roman" panose="02020603050405020304" pitchFamily="18" charset="0"/>
-              </a:rPr>
-            </a:br>
-            <a:endParaRPr lang="en-US" dirty="0"/>
-          </a:p>
-        </p:txBody>
-      </p:sp>
-      <p:sp>
-        <p:nvSpPr>
-          <p:cNvPr id="7" name="Content Placeholder 2"/>
-          <p:cNvSpPr>
-            <a:spLocks noGrp="1"/>
-          </p:cNvSpPr>
-          <p:nvPr>
-            <p:ph idx="1"/>
-          </p:nvPr>
-        </p:nvSpPr>
-        <p:spPr>
-          <a:xfrm>
-            <a:off x="838200" y="1188720"/>
-            <a:ext cx="10515600" cy="4988243"/>
-          </a:xfrm>
-        </p:spPr>
-        <p:txBody>
-          <a:bodyPr>
-            <a:normAutofit lnSpcReduction="10000"/>
-          </a:bodyPr>
-          <a:lstStyle/>
-          <a:p>
-            <a:r>
-              <a:rPr lang="en-US" dirty="0" smtClean="0"/>
-              <a:t>Amazon </a:t>
-            </a:r>
-            <a:r>
-              <a:rPr lang="en-US" dirty="0" err="1" smtClean="0"/>
-              <a:t>CloudFront</a:t>
-            </a:r>
-            <a:r>
-              <a:rPr lang="en-US" dirty="0" smtClean="0"/>
-              <a:t> is a globally distributed network offered by AWS which securely delivers content to the end users with a high transfer speed and low latency</a:t>
-            </a:r>
-            <a:endParaRPr lang="en-IN" dirty="0" smtClean="0"/>
-          </a:p>
-          <a:p>
-            <a:r>
-              <a:rPr lang="en-US" dirty="0" err="1" smtClean="0"/>
-              <a:t>CloudFront</a:t>
-            </a:r>
-            <a:r>
-              <a:rPr lang="en-US" dirty="0" smtClean="0"/>
-              <a:t> delivers your content through a worldwide network of data centers called edge locations.</a:t>
-            </a:r>
-            <a:endParaRPr lang="en-IN" dirty="0" smtClean="0"/>
-          </a:p>
-          <a:p>
-            <a:r>
-              <a:rPr lang="en-US" dirty="0" smtClean="0"/>
-              <a:t>If the content is already in the edge location with the lowest latency, </a:t>
-            </a:r>
-            <a:r>
-              <a:rPr lang="en-US" dirty="0" err="1" smtClean="0"/>
-              <a:t>CloudFront</a:t>
-            </a:r>
-            <a:r>
-              <a:rPr lang="en-US" dirty="0" smtClean="0"/>
-              <a:t> delivers it immediately.</a:t>
-            </a:r>
-          </a:p>
-          <a:p>
-            <a:r>
-              <a:rPr lang="en-US" dirty="0" smtClean="0"/>
-              <a:t>If the content is not in that edge location, </a:t>
-            </a:r>
-            <a:r>
-              <a:rPr lang="en-US" dirty="0" err="1" smtClean="0"/>
-              <a:t>CloudFront</a:t>
-            </a:r>
-            <a:r>
-              <a:rPr lang="en-US" dirty="0" smtClean="0"/>
-              <a:t> retrieves it from an origin that you've defined—such as an Amazon S3 bucket, a </a:t>
-            </a:r>
-            <a:r>
-              <a:rPr lang="en-US" dirty="0" err="1" smtClean="0"/>
-              <a:t>MediaPackage</a:t>
-            </a:r>
-            <a:r>
-              <a:rPr lang="en-US" dirty="0" smtClean="0"/>
-              <a:t> channel, or an HTTP server (for example, a web server) that you have identified as the source for the definitive version of your content.</a:t>
-            </a:r>
-          </a:p>
-          <a:p>
-            <a:endParaRPr lang="en-IN" dirty="0" smtClean="0"/>
-          </a:p>
-          <a:p>
-            <a:endParaRPr lang="en-US" dirty="0"/>
-          </a:p>
-        </p:txBody>
-      </p:sp>
-    </p:spTree>
-  </p:cSld>
-  <p:clrMapOvr>
-    <a:masterClrMapping/>
-  </p:clrMapOvr>
-  <p:timing>
-    <p:tnLst>
-      <p:par>
-        <p:cTn id="1" dur="indefinite" restart="never" nodeType="tmRoot"/>
-      </p:par>
-    </p:tnLst>
-  </p:timing>
-</p:sld>
-</file>
-
-<file path=ppt/slides/slide9.xml><?xml version="1.0" encoding="utf-8"?>
-<p:sld xmlns:a="http://schemas.openxmlformats.org/drawingml/2006/main" xmlns:r="http://schemas.openxmlformats.org/officeDocument/2006/relationships" xmlns:p="http://schemas.openxmlformats.org/presentationml/2006/main">
-  <p:cSld>
-    <p:spTree>
-      <p:nvGrpSpPr>
-        <p:cNvPr id="1" name=""/>
-        <p:cNvGrpSpPr/>
-        <p:nvPr/>
-      </p:nvGrpSpPr>
-      <p:grpSpPr>
-        <a:xfrm>
-          <a:off x="0" y="0"/>
-          <a:ext cx="0" cy="0"/>
-          <a:chOff x="0" y="0"/>
-          <a:chExt cx="0" cy="0"/>
-        </a:xfrm>
-      </p:grpSpPr>
-      <p:pic>
-        <p:nvPicPr>
-          <p:cNvPr id="2050" name="Picture 2"/>
-          <p:cNvPicPr>
-            <a:picLocks noChangeAspect="1" noChangeArrowheads="1"/>
-          </p:cNvPicPr>
-          <p:nvPr/>
-        </p:nvPicPr>
-        <p:blipFill>
-          <a:blip r:embed="rId2" cstate="print"/>
-          <a:srcRect/>
-          <a:stretch>
-            <a:fillRect/>
-          </a:stretch>
-        </p:blipFill>
-        <p:spPr bwMode="auto">
-          <a:xfrm>
-            <a:off x="1590048" y="692331"/>
-            <a:ext cx="9317710" cy="4462463"/>
-          </a:xfrm>
-          <a:prstGeom prst="rect">
-            <a:avLst/>
-          </a:prstGeom>
-          <a:noFill/>
-          <a:ln w="9525">
-            <a:noFill/>
-            <a:miter lim="800000"/>
-            <a:headEnd/>
-            <a:tailEnd/>
-          </a:ln>
-        </p:spPr>
-      </p:pic>
-    </p:spTree>
-  </p:cSld>
-  <p:clrMapOvr>
-    <a:masterClrMapping/>
-  </p:clrMapOvr>
 </p:sld>
 </file>
 
